--- a/宣道詩/(宣道詩219)跟從主.pptx
+++ b/宣道詩/(宣道詩219)跟從主.pptx
@@ -14,7 +14,7 @@
     <p:sldId id="262" r:id="rId8"/>
     <p:sldId id="263" r:id="rId9"/>
   </p:sldIdLst>
-  <p:sldSz cx="9144000" cy="6858000" type="screen4x3"/>
+  <p:sldSz cx="12192000" cy="6858000"/>
   <p:notesSz cx="6858000" cy="9144000"/>
   <p:defaultTextStyle>
     <a:defPPr>
@@ -111,6 +111,22 @@
       </a:defRPr>
     </a:lvl9pPr>
   </p:defaultTextStyle>
+  <p:extLst>
+    <p:ext uri="{EFAFB233-063F-42B5-8137-9DF3F51BA10A}">
+      <p15:sldGuideLst xmlns:p15="http://schemas.microsoft.com/office/powerpoint/2012/main">
+        <p15:guide id="1" orient="horz" pos="2160" userDrawn="1">
+          <p15:clr>
+            <a:srgbClr val="A4A3A4"/>
+          </p15:clr>
+        </p15:guide>
+        <p15:guide id="2" pos="3840" userDrawn="1">
+          <p15:clr>
+            <a:srgbClr val="A4A3A4"/>
+          </p15:clr>
+        </p15:guide>
+      </p15:sldGuideLst>
+    </p:ext>
+  </p:extLst>
 </p:presentation>
 </file>
 
@@ -143,8 +159,8 @@
         </p:nvSpPr>
         <p:spPr>
           <a:xfrm>
-            <a:off x="685800" y="2130425"/>
-            <a:ext cx="7772400" cy="1470025"/>
+            <a:off x="914400" y="2130426"/>
+            <a:ext cx="10363200" cy="1470025"/>
           </a:xfrm>
         </p:spPr>
         <p:txBody>
@@ -171,8 +187,8 @@
         </p:nvSpPr>
         <p:spPr>
           <a:xfrm>
-            <a:off x="1371600" y="3886200"/>
-            <a:ext cx="6400800" cy="1752600"/>
+            <a:off x="1828800" y="3886200"/>
+            <a:ext cx="8534400" cy="1752600"/>
           </a:xfrm>
         </p:spPr>
         <p:txBody>
@@ -295,7 +311,7 @@
           <a:p>
             <a:fld id="{20E259B5-6EC5-4596-8B61-4210C4B5850B}" type="datetimeFigureOut">
               <a:rPr lang="zh-TW" altLang="en-US" smtClean="0"/>
-              <a:t>2018/9/1</a:t>
+              <a:t>2020/6/20</a:t>
             </a:fld>
             <a:endParaRPr lang="zh-TW" altLang="en-US"/>
           </a:p>
@@ -460,7 +476,7 @@
           <a:p>
             <a:fld id="{20E259B5-6EC5-4596-8B61-4210C4B5850B}" type="datetimeFigureOut">
               <a:rPr lang="zh-TW" altLang="en-US" smtClean="0"/>
-              <a:t>2018/9/1</a:t>
+              <a:t>2020/6/20</a:t>
             </a:fld>
             <a:endParaRPr lang="zh-TW" altLang="en-US"/>
           </a:p>
@@ -545,8 +561,8 @@
         </p:nvSpPr>
         <p:spPr>
           <a:xfrm>
-            <a:off x="6629400" y="274638"/>
-            <a:ext cx="2057400" cy="5851525"/>
+            <a:off x="8839200" y="274639"/>
+            <a:ext cx="2743200" cy="5851525"/>
           </a:xfrm>
         </p:spPr>
         <p:txBody>
@@ -573,8 +589,8 @@
         </p:nvSpPr>
         <p:spPr>
           <a:xfrm>
-            <a:off x="457200" y="274638"/>
-            <a:ext cx="6019800" cy="5851525"/>
+            <a:off x="609600" y="274639"/>
+            <a:ext cx="8026400" cy="5851525"/>
           </a:xfrm>
         </p:spPr>
         <p:txBody>
@@ -635,7 +651,7 @@
           <a:p>
             <a:fld id="{20E259B5-6EC5-4596-8B61-4210C4B5850B}" type="datetimeFigureOut">
               <a:rPr lang="zh-TW" altLang="en-US" smtClean="0"/>
-              <a:t>2018/9/1</a:t>
+              <a:t>2020/6/20</a:t>
             </a:fld>
             <a:endParaRPr lang="zh-TW" altLang="en-US"/>
           </a:p>
@@ -800,7 +816,7 @@
           <a:p>
             <a:fld id="{20E259B5-6EC5-4596-8B61-4210C4B5850B}" type="datetimeFigureOut">
               <a:rPr lang="zh-TW" altLang="en-US" smtClean="0"/>
-              <a:t>2018/9/1</a:t>
+              <a:t>2020/6/20</a:t>
             </a:fld>
             <a:endParaRPr lang="zh-TW" altLang="en-US"/>
           </a:p>
@@ -885,8 +901,8 @@
         </p:nvSpPr>
         <p:spPr>
           <a:xfrm>
-            <a:off x="722313" y="4406900"/>
-            <a:ext cx="7772400" cy="1362075"/>
+            <a:off x="963084" y="4406901"/>
+            <a:ext cx="10363200" cy="1362075"/>
           </a:xfrm>
         </p:spPr>
         <p:txBody>
@@ -917,8 +933,8 @@
         </p:nvSpPr>
         <p:spPr>
           <a:xfrm>
-            <a:off x="722313" y="2906713"/>
-            <a:ext cx="7772400" cy="1500187"/>
+            <a:off x="963084" y="2906713"/>
+            <a:ext cx="10363200" cy="1500187"/>
           </a:xfrm>
         </p:spPr>
         <p:txBody>
@@ -1041,7 +1057,7 @@
           <a:p>
             <a:fld id="{20E259B5-6EC5-4596-8B61-4210C4B5850B}" type="datetimeFigureOut">
               <a:rPr lang="zh-TW" altLang="en-US" smtClean="0"/>
-              <a:t>2018/9/1</a:t>
+              <a:t>2020/6/20</a:t>
             </a:fld>
             <a:endParaRPr lang="zh-TW" altLang="en-US"/>
           </a:p>
@@ -1149,8 +1165,8 @@
         </p:nvSpPr>
         <p:spPr>
           <a:xfrm>
-            <a:off x="457200" y="1600200"/>
-            <a:ext cx="4038600" cy="4525963"/>
+            <a:off x="609600" y="1600201"/>
+            <a:ext cx="5384800" cy="4525963"/>
           </a:xfrm>
         </p:spPr>
         <p:txBody>
@@ -1234,8 +1250,8 @@
         </p:nvSpPr>
         <p:spPr>
           <a:xfrm>
-            <a:off x="4648200" y="1600200"/>
-            <a:ext cx="4038600" cy="4525963"/>
+            <a:off x="6197600" y="1600201"/>
+            <a:ext cx="5384800" cy="4525963"/>
           </a:xfrm>
         </p:spPr>
         <p:txBody>
@@ -1324,7 +1340,7 @@
           <a:p>
             <a:fld id="{20E259B5-6EC5-4596-8B61-4210C4B5850B}" type="datetimeFigureOut">
               <a:rPr lang="zh-TW" altLang="en-US" smtClean="0"/>
-              <a:t>2018/9/1</a:t>
+              <a:t>2020/6/20</a:t>
             </a:fld>
             <a:endParaRPr lang="zh-TW" altLang="en-US"/>
           </a:p>
@@ -1436,8 +1452,8 @@
         </p:nvSpPr>
         <p:spPr>
           <a:xfrm>
-            <a:off x="457200" y="1535113"/>
-            <a:ext cx="4040188" cy="639762"/>
+            <a:off x="609600" y="1535113"/>
+            <a:ext cx="5386917" cy="639762"/>
           </a:xfrm>
         </p:spPr>
         <p:txBody>
@@ -1501,8 +1517,8 @@
         </p:nvSpPr>
         <p:spPr>
           <a:xfrm>
-            <a:off x="457200" y="2174875"/>
-            <a:ext cx="4040188" cy="3951288"/>
+            <a:off x="609600" y="2174875"/>
+            <a:ext cx="5386917" cy="3951288"/>
           </a:xfrm>
         </p:spPr>
         <p:txBody>
@@ -1586,8 +1602,8 @@
         </p:nvSpPr>
         <p:spPr>
           <a:xfrm>
-            <a:off x="4645025" y="1535113"/>
-            <a:ext cx="4041775" cy="639762"/>
+            <a:off x="6193368" y="1535113"/>
+            <a:ext cx="5389033" cy="639762"/>
           </a:xfrm>
         </p:spPr>
         <p:txBody>
@@ -1651,8 +1667,8 @@
         </p:nvSpPr>
         <p:spPr>
           <a:xfrm>
-            <a:off x="4645025" y="2174875"/>
-            <a:ext cx="4041775" cy="3951288"/>
+            <a:off x="6193368" y="2174875"/>
+            <a:ext cx="5389033" cy="3951288"/>
           </a:xfrm>
         </p:spPr>
         <p:txBody>
@@ -1741,7 +1757,7 @@
           <a:p>
             <a:fld id="{20E259B5-6EC5-4596-8B61-4210C4B5850B}" type="datetimeFigureOut">
               <a:rPr lang="zh-TW" altLang="en-US" smtClean="0"/>
-              <a:t>2018/9/1</a:t>
+              <a:t>2020/6/20</a:t>
             </a:fld>
             <a:endParaRPr lang="zh-TW" altLang="en-US"/>
           </a:p>
@@ -1854,7 +1870,7 @@
           <a:p>
             <a:fld id="{20E259B5-6EC5-4596-8B61-4210C4B5850B}" type="datetimeFigureOut">
               <a:rPr lang="zh-TW" altLang="en-US" smtClean="0"/>
-              <a:t>2018/9/1</a:t>
+              <a:t>2020/6/20</a:t>
             </a:fld>
             <a:endParaRPr lang="zh-TW" altLang="en-US"/>
           </a:p>
@@ -1944,7 +1960,7 @@
           <a:p>
             <a:fld id="{20E259B5-6EC5-4596-8B61-4210C4B5850B}" type="datetimeFigureOut">
               <a:rPr lang="zh-TW" altLang="en-US" smtClean="0"/>
-              <a:t>2018/9/1</a:t>
+              <a:t>2020/6/20</a:t>
             </a:fld>
             <a:endParaRPr lang="zh-TW" altLang="en-US"/>
           </a:p>
@@ -2029,8 +2045,8 @@
         </p:nvSpPr>
         <p:spPr>
           <a:xfrm>
-            <a:off x="457200" y="273050"/>
-            <a:ext cx="3008313" cy="1162050"/>
+            <a:off x="609601" y="273050"/>
+            <a:ext cx="4011084" cy="1162050"/>
           </a:xfrm>
         </p:spPr>
         <p:txBody>
@@ -2061,8 +2077,8 @@
         </p:nvSpPr>
         <p:spPr>
           <a:xfrm>
-            <a:off x="3575050" y="273050"/>
-            <a:ext cx="5111750" cy="5853113"/>
+            <a:off x="4766733" y="273051"/>
+            <a:ext cx="6815667" cy="5853113"/>
           </a:xfrm>
         </p:spPr>
         <p:txBody>
@@ -2146,8 +2162,8 @@
         </p:nvSpPr>
         <p:spPr>
           <a:xfrm>
-            <a:off x="457200" y="1435100"/>
-            <a:ext cx="3008313" cy="4691063"/>
+            <a:off x="609601" y="1435101"/>
+            <a:ext cx="4011084" cy="4691063"/>
           </a:xfrm>
         </p:spPr>
         <p:txBody>
@@ -2216,7 +2232,7 @@
           <a:p>
             <a:fld id="{20E259B5-6EC5-4596-8B61-4210C4B5850B}" type="datetimeFigureOut">
               <a:rPr lang="zh-TW" altLang="en-US" smtClean="0"/>
-              <a:t>2018/9/1</a:t>
+              <a:t>2020/6/20</a:t>
             </a:fld>
             <a:endParaRPr lang="zh-TW" altLang="en-US"/>
           </a:p>
@@ -2301,8 +2317,8 @@
         </p:nvSpPr>
         <p:spPr>
           <a:xfrm>
-            <a:off x="1792288" y="4800600"/>
-            <a:ext cx="5486400" cy="566738"/>
+            <a:off x="2389717" y="4800600"/>
+            <a:ext cx="7315200" cy="566738"/>
           </a:xfrm>
         </p:spPr>
         <p:txBody>
@@ -2333,8 +2349,8 @@
         </p:nvSpPr>
         <p:spPr>
           <a:xfrm>
-            <a:off x="1792288" y="612775"/>
-            <a:ext cx="5486400" cy="4114800"/>
+            <a:off x="2389717" y="612775"/>
+            <a:ext cx="7315200" cy="4114800"/>
           </a:xfrm>
         </p:spPr>
         <p:txBody>
@@ -2398,8 +2414,8 @@
         </p:nvSpPr>
         <p:spPr>
           <a:xfrm>
-            <a:off x="1792288" y="5367338"/>
-            <a:ext cx="5486400" cy="804862"/>
+            <a:off x="2389717" y="5367338"/>
+            <a:ext cx="7315200" cy="804862"/>
           </a:xfrm>
         </p:spPr>
         <p:txBody>
@@ -2468,7 +2484,7 @@
           <a:p>
             <a:fld id="{20E259B5-6EC5-4596-8B61-4210C4B5850B}" type="datetimeFigureOut">
               <a:rPr lang="zh-TW" altLang="en-US" smtClean="0"/>
-              <a:t>2018/9/1</a:t>
+              <a:t>2020/6/20</a:t>
             </a:fld>
             <a:endParaRPr lang="zh-TW" altLang="en-US"/>
           </a:p>
@@ -2563,8 +2579,8 @@
         </p:nvSpPr>
         <p:spPr>
           <a:xfrm>
-            <a:off x="457200" y="274638"/>
-            <a:ext cx="8229600" cy="1143000"/>
+            <a:off x="609600" y="274638"/>
+            <a:ext cx="10972800" cy="1143000"/>
           </a:xfrm>
           <a:prstGeom prst="rect">
             <a:avLst/>
@@ -2596,8 +2612,8 @@
         </p:nvSpPr>
         <p:spPr>
           <a:xfrm>
-            <a:off x="457200" y="1600200"/>
-            <a:ext cx="8229600" cy="4525963"/>
+            <a:off x="609600" y="1600201"/>
+            <a:ext cx="10972800" cy="4525963"/>
           </a:xfrm>
           <a:prstGeom prst="rect">
             <a:avLst/>
@@ -2658,8 +2674,8 @@
         </p:nvSpPr>
         <p:spPr>
           <a:xfrm>
-            <a:off x="457200" y="6356350"/>
-            <a:ext cx="2133600" cy="365125"/>
+            <a:off x="609600" y="6356351"/>
+            <a:ext cx="2844800" cy="365125"/>
           </a:xfrm>
           <a:prstGeom prst="rect">
             <a:avLst/>
@@ -2681,7 +2697,7 @@
           <a:p>
             <a:fld id="{20E259B5-6EC5-4596-8B61-4210C4B5850B}" type="datetimeFigureOut">
               <a:rPr lang="zh-TW" altLang="en-US" smtClean="0"/>
-              <a:t>2018/9/1</a:t>
+              <a:t>2020/6/20</a:t>
             </a:fld>
             <a:endParaRPr lang="zh-TW" altLang="en-US"/>
           </a:p>
@@ -2699,8 +2715,8 @@
         </p:nvSpPr>
         <p:spPr>
           <a:xfrm>
-            <a:off x="3124200" y="6356350"/>
-            <a:ext cx="2895600" cy="365125"/>
+            <a:off x="4165600" y="6356351"/>
+            <a:ext cx="3860800" cy="365125"/>
           </a:xfrm>
           <a:prstGeom prst="rect">
             <a:avLst/>
@@ -2736,8 +2752,8 @@
         </p:nvSpPr>
         <p:spPr>
           <a:xfrm>
-            <a:off x="6553200" y="6356350"/>
-            <a:ext cx="2133600" cy="365125"/>
+            <a:off x="8737600" y="6356351"/>
+            <a:ext cx="2844800" cy="365125"/>
           </a:xfrm>
           <a:prstGeom prst="rect">
             <a:avLst/>
@@ -3107,7 +3123,7 @@
               <a:buNone/>
             </a:pPr>
             <a:r>
-              <a:rPr lang="zh-CN" altLang="en-US" sz="5400" b="1" dirty="0" smtClean="0">
+              <a:rPr lang="zh-CN" altLang="en-US" sz="5400" b="1" dirty="0">
                 <a:solidFill>
                   <a:srgbClr val="000066"/>
                 </a:solidFill>
@@ -3116,7 +3132,7 @@
               </a:rPr>
               <a:t>與神同行情意何佳美</a:t>
             </a:r>
-            <a:endParaRPr lang="en-US" altLang="zh-CN" sz="5400" b="1" dirty="0" smtClean="0">
+            <a:endParaRPr lang="en-US" altLang="zh-CN" sz="5400" b="1" dirty="0">
               <a:solidFill>
                 <a:srgbClr val="000066"/>
               </a:solidFill>
@@ -3129,7 +3145,7 @@
               <a:buNone/>
             </a:pPr>
             <a:r>
-              <a:rPr lang="zh-CN" altLang="en-US" sz="5400" b="1" dirty="0" smtClean="0">
+              <a:rPr lang="zh-CN" altLang="en-US" sz="5400" b="1" dirty="0">
                 <a:solidFill>
                   <a:srgbClr val="000066"/>
                 </a:solidFill>
@@ -3138,7 +3154,7 @@
               </a:rPr>
               <a:t>步步進日日跟隨</a:t>
             </a:r>
-            <a:endParaRPr lang="en-US" altLang="zh-CN" sz="5400" b="1" dirty="0" smtClean="0">
+            <a:endParaRPr lang="en-US" altLang="zh-CN" sz="5400" b="1" dirty="0">
               <a:solidFill>
                 <a:srgbClr val="000066"/>
               </a:solidFill>
@@ -3151,7 +3167,7 @@
               <a:buNone/>
             </a:pPr>
             <a:r>
-              <a:rPr lang="zh-CN" altLang="en-US" sz="5400" b="1" dirty="0" smtClean="0">
+              <a:rPr lang="zh-CN" altLang="en-US" sz="5400" b="1" dirty="0">
                 <a:solidFill>
                   <a:srgbClr val="000066"/>
                 </a:solidFill>
@@ -3160,7 +3176,7 @@
               </a:rPr>
               <a:t>救主腳蹤步步要跟從</a:t>
             </a:r>
-            <a:endParaRPr lang="en-US" altLang="zh-CN" sz="5400" b="1" dirty="0" smtClean="0">
+            <a:endParaRPr lang="en-US" altLang="zh-CN" sz="5400" b="1" dirty="0">
               <a:solidFill>
                 <a:srgbClr val="000066"/>
               </a:solidFill>
@@ -3173,24 +3189,14 @@
               <a:buNone/>
             </a:pPr>
             <a:r>
-              <a:rPr lang="zh-CN" altLang="en-US" sz="5400" b="1" dirty="0" smtClean="0">
+              <a:rPr lang="zh-CN" altLang="en-US" sz="5400" b="1" dirty="0">
                 <a:solidFill>
                   <a:srgbClr val="000066"/>
                 </a:solidFill>
                 <a:latin typeface="微軟正黑體" pitchFamily="34" charset="-120"/>
                 <a:ea typeface="微軟正黑體" pitchFamily="34" charset="-120"/>
               </a:rPr>
-              <a:t>跟</a:t>
-            </a:r>
-            <a:r>
-              <a:rPr lang="zh-CN" altLang="en-US" sz="5400" b="1" dirty="0" smtClean="0">
-                <a:solidFill>
-                  <a:srgbClr val="000066"/>
-                </a:solidFill>
-                <a:latin typeface="微軟正黑體" pitchFamily="34" charset="-120"/>
-                <a:ea typeface="微軟正黑體" pitchFamily="34" charset="-120"/>
-              </a:rPr>
-              <a:t>從耶穌直到終</a:t>
+              <a:t>跟從耶穌直到終</a:t>
             </a:r>
             <a:endParaRPr lang="zh-TW" altLang="en-US" sz="5400" b="1" dirty="0">
               <a:solidFill>
@@ -3198,6 +3204,44 @@
               </a:solidFill>
               <a:latin typeface="微軟正黑體" pitchFamily="34" charset="-120"/>
               <a:ea typeface="微軟正黑體" pitchFamily="34" charset="-120"/>
+            </a:endParaRPr>
+          </a:p>
+        </p:txBody>
+      </p:sp>
+      <p:sp>
+        <p:nvSpPr>
+          <p:cNvPr id="2" name="TextBox 1"/>
+          <p:cNvSpPr txBox="1"/>
+          <p:nvPr/>
+        </p:nvSpPr>
+        <p:spPr>
+          <a:xfrm>
+            <a:off x="839416" y="1700808"/>
+            <a:ext cx="1008112" cy="923330"/>
+          </a:xfrm>
+          <a:prstGeom prst="rect">
+            <a:avLst/>
+          </a:prstGeom>
+          <a:noFill/>
+        </p:spPr>
+        <p:txBody>
+          <a:bodyPr wrap="square" rtlCol="0">
+            <a:spAutoFit/>
+          </a:bodyPr>
+          <a:lstStyle/>
+          <a:p>
+            <a:r>
+              <a:rPr lang="en-US" sz="5400" b="1" dirty="0" smtClean="0">
+                <a:solidFill>
+                  <a:srgbClr val="000066"/>
+                </a:solidFill>
+              </a:rPr>
+              <a:t>1.</a:t>
+            </a:r>
+            <a:endParaRPr lang="vi-VN" sz="5400" b="1" dirty="0">
+              <a:solidFill>
+                <a:srgbClr val="000066"/>
+              </a:solidFill>
             </a:endParaRPr>
           </a:p>
         </p:txBody>
@@ -3283,7 +3327,7 @@
               <a:buNone/>
             </a:pPr>
             <a:r>
-              <a:rPr lang="zh-CN" altLang="en-US" sz="5400" b="1" dirty="0" smtClean="0">
+              <a:rPr lang="zh-CN" altLang="en-US" sz="5400" b="1" dirty="0">
                 <a:solidFill>
                   <a:srgbClr val="000066"/>
                 </a:solidFill>
@@ -3292,7 +3336,7 @@
               </a:rPr>
               <a:t>跟隨主  跟隨主</a:t>
             </a:r>
-            <a:endParaRPr lang="en-US" altLang="zh-CN" sz="5400" b="1" dirty="0" smtClean="0">
+            <a:endParaRPr lang="en-US" altLang="zh-CN" sz="5400" b="1" dirty="0">
               <a:solidFill>
                 <a:srgbClr val="000066"/>
               </a:solidFill>
@@ -3305,7 +3349,7 @@
               <a:buNone/>
             </a:pPr>
             <a:r>
-              <a:rPr lang="zh-CN" altLang="en-US" sz="5400" b="1" dirty="0" smtClean="0">
+              <a:rPr lang="zh-CN" altLang="en-US" sz="5400" b="1" dirty="0">
                 <a:solidFill>
                   <a:srgbClr val="000066"/>
                 </a:solidFill>
@@ -3314,7 +3358,7 @@
               </a:rPr>
               <a:t>步步願跟耶穌</a:t>
             </a:r>
-            <a:endParaRPr lang="en-US" altLang="zh-CN" sz="5400" b="1" dirty="0" smtClean="0">
+            <a:endParaRPr lang="en-US" altLang="zh-CN" sz="5400" b="1" dirty="0">
               <a:solidFill>
                 <a:srgbClr val="000066"/>
               </a:solidFill>
@@ -3327,26 +3371,16 @@
               <a:buNone/>
             </a:pPr>
             <a:r>
-              <a:rPr lang="zh-CN" altLang="en-US" sz="5400" b="1" dirty="0" smtClean="0">
+              <a:rPr lang="zh-CN" altLang="en-US" sz="5400" b="1" dirty="0">
                 <a:solidFill>
                   <a:srgbClr val="000066"/>
                 </a:solidFill>
                 <a:latin typeface="微軟正黑體" pitchFamily="34" charset="-120"/>
                 <a:ea typeface="微軟正黑體" pitchFamily="34" charset="-120"/>
               </a:rPr>
-              <a:t>日</a:t>
-            </a:r>
-            <a:r>
-              <a:rPr lang="zh-CN" altLang="en-US" sz="5400" b="1" dirty="0" smtClean="0">
-                <a:solidFill>
-                  <a:srgbClr val="000066"/>
-                </a:solidFill>
-                <a:latin typeface="微軟正黑體" pitchFamily="34" charset="-120"/>
-                <a:ea typeface="微軟正黑體" pitchFamily="34" charset="-120"/>
-              </a:rPr>
-              <a:t>日走  總跟從</a:t>
-            </a:r>
-            <a:endParaRPr lang="en-US" altLang="zh-CN" sz="5400" b="1" dirty="0" smtClean="0">
+              <a:t>日日走  總跟從</a:t>
+            </a:r>
+            <a:endParaRPr lang="en-US" altLang="zh-CN" sz="5400" b="1" dirty="0">
               <a:solidFill>
                 <a:srgbClr val="000066"/>
               </a:solidFill>
@@ -3359,7 +3393,7 @@
               <a:buNone/>
             </a:pPr>
             <a:r>
-              <a:rPr lang="zh-CN" altLang="en-US" sz="5400" b="1" dirty="0" smtClean="0">
+              <a:rPr lang="zh-CN" altLang="en-US" sz="5400" b="1" dirty="0">
                 <a:solidFill>
                   <a:srgbClr val="000066"/>
                 </a:solidFill>
@@ -3459,7 +3493,7 @@
               <a:buNone/>
             </a:pPr>
             <a:r>
-              <a:rPr lang="zh-CN" altLang="en-US" sz="5400" b="1" dirty="0" smtClean="0">
+              <a:rPr lang="zh-CN" altLang="en-US" sz="5400" b="1" dirty="0">
                 <a:solidFill>
                   <a:srgbClr val="000066"/>
                 </a:solidFill>
@@ -3468,7 +3502,7 @@
               </a:rPr>
               <a:t>與主同行身心蒙福庇</a:t>
             </a:r>
-            <a:endParaRPr lang="en-US" altLang="zh-CN" sz="5400" b="1" dirty="0" smtClean="0">
+            <a:endParaRPr lang="en-US" altLang="zh-CN" sz="5400" b="1" dirty="0">
               <a:solidFill>
                 <a:srgbClr val="000066"/>
               </a:solidFill>
@@ -3481,26 +3515,16 @@
               <a:buNone/>
             </a:pPr>
             <a:r>
-              <a:rPr lang="zh-CN" altLang="en-US" sz="5400" b="1" dirty="0" smtClean="0">
+              <a:rPr lang="zh-CN" altLang="en-US" sz="5400" b="1" dirty="0">
                 <a:solidFill>
                   <a:srgbClr val="000066"/>
                 </a:solidFill>
                 <a:latin typeface="微軟正黑體" pitchFamily="34" charset="-120"/>
                 <a:ea typeface="微軟正黑體" pitchFamily="34" charset="-120"/>
               </a:rPr>
-              <a:t>安</a:t>
-            </a:r>
-            <a:r>
-              <a:rPr lang="zh-CN" altLang="en-US" sz="5400" b="1" dirty="0" smtClean="0">
-                <a:solidFill>
-                  <a:srgbClr val="000066"/>
-                </a:solidFill>
-                <a:latin typeface="微軟正黑體" pitchFamily="34" charset="-120"/>
-                <a:ea typeface="微軟正黑體" pitchFamily="34" charset="-120"/>
-              </a:rPr>
-              <a:t>舒在主大膀臂</a:t>
-            </a:r>
-            <a:endParaRPr lang="en-US" altLang="zh-CN" sz="5400" b="1" dirty="0" smtClean="0">
+              <a:t>安舒在主大膀臂</a:t>
+            </a:r>
+            <a:endParaRPr lang="en-US" altLang="zh-CN" sz="5400" b="1" dirty="0">
               <a:solidFill>
                 <a:srgbClr val="000066"/>
               </a:solidFill>
@@ -3513,7 +3537,7 @@
               <a:buNone/>
             </a:pPr>
             <a:r>
-              <a:rPr lang="zh-CN" altLang="en-US" sz="5400" b="1" dirty="0" smtClean="0">
+              <a:rPr lang="zh-CN" altLang="en-US" sz="5400" b="1" dirty="0">
                 <a:solidFill>
                   <a:srgbClr val="000066"/>
                 </a:solidFill>
@@ -3522,7 +3546,7 @@
               </a:rPr>
               <a:t>主領何往我必要跟從</a:t>
             </a:r>
-            <a:endParaRPr lang="en-US" altLang="zh-CN" sz="5400" b="1" dirty="0" smtClean="0">
+            <a:endParaRPr lang="en-US" altLang="zh-CN" sz="5400" b="1" dirty="0">
               <a:solidFill>
                 <a:srgbClr val="000066"/>
               </a:solidFill>
@@ -3535,7 +3559,7 @@
               <a:buNone/>
             </a:pPr>
             <a:r>
-              <a:rPr lang="zh-CN" altLang="en-US" sz="5400" b="1" dirty="0" smtClean="0">
+              <a:rPr lang="zh-CN" altLang="en-US" sz="5400" b="1" dirty="0">
                 <a:solidFill>
                   <a:srgbClr val="000066"/>
                 </a:solidFill>
@@ -3550,6 +3574,52 @@
               </a:solidFill>
               <a:latin typeface="微軟正黑體" pitchFamily="34" charset="-120"/>
               <a:ea typeface="微軟正黑體" pitchFamily="34" charset="-120"/>
+            </a:endParaRPr>
+          </a:p>
+        </p:txBody>
+      </p:sp>
+      <p:sp>
+        <p:nvSpPr>
+          <p:cNvPr id="6" name="TextBox 5"/>
+          <p:cNvSpPr txBox="1"/>
+          <p:nvPr/>
+        </p:nvSpPr>
+        <p:spPr>
+          <a:xfrm>
+            <a:off x="839416" y="1700808"/>
+            <a:ext cx="1008112" cy="923330"/>
+          </a:xfrm>
+          <a:prstGeom prst="rect">
+            <a:avLst/>
+          </a:prstGeom>
+          <a:noFill/>
+        </p:spPr>
+        <p:txBody>
+          <a:bodyPr wrap="square" rtlCol="0">
+            <a:spAutoFit/>
+          </a:bodyPr>
+          <a:lstStyle/>
+          <a:p>
+            <a:r>
+              <a:rPr lang="en-US" sz="5400" b="1" dirty="0">
+                <a:solidFill>
+                  <a:srgbClr val="000066"/>
+                </a:solidFill>
+              </a:rPr>
+              <a:t>2</a:t>
+            </a:r>
+            <a:r>
+              <a:rPr lang="en-US" sz="5400" b="1" dirty="0" smtClean="0">
+                <a:solidFill>
+                  <a:srgbClr val="000066"/>
+                </a:solidFill>
+              </a:rPr>
+              <a:t>.</a:t>
+            </a:r>
+            <a:endParaRPr lang="vi-VN" sz="5400" b="1" dirty="0">
+              <a:solidFill>
+                <a:srgbClr val="000066"/>
+              </a:solidFill>
             </a:endParaRPr>
           </a:p>
         </p:txBody>
@@ -3635,7 +3705,7 @@
               <a:buNone/>
             </a:pPr>
             <a:r>
-              <a:rPr lang="zh-CN" altLang="en-US" sz="5400" b="1" dirty="0" smtClean="0">
+              <a:rPr lang="zh-CN" altLang="en-US" sz="5400" b="1" dirty="0">
                 <a:solidFill>
                   <a:srgbClr val="000066"/>
                 </a:solidFill>
@@ -3644,7 +3714,7 @@
               </a:rPr>
               <a:t>跟隨主  跟隨主</a:t>
             </a:r>
-            <a:endParaRPr lang="en-US" altLang="zh-CN" sz="5400" b="1" dirty="0" smtClean="0">
+            <a:endParaRPr lang="en-US" altLang="zh-CN" sz="5400" b="1" dirty="0">
               <a:solidFill>
                 <a:srgbClr val="000066"/>
               </a:solidFill>
@@ -3657,7 +3727,7 @@
               <a:buNone/>
             </a:pPr>
             <a:r>
-              <a:rPr lang="zh-CN" altLang="en-US" sz="5400" b="1" dirty="0" smtClean="0">
+              <a:rPr lang="zh-CN" altLang="en-US" sz="5400" b="1" dirty="0">
                 <a:solidFill>
                   <a:srgbClr val="000066"/>
                 </a:solidFill>
@@ -3666,7 +3736,7 @@
               </a:rPr>
               <a:t>步步願跟耶穌</a:t>
             </a:r>
-            <a:endParaRPr lang="en-US" altLang="zh-CN" sz="5400" b="1" dirty="0" smtClean="0">
+            <a:endParaRPr lang="en-US" altLang="zh-CN" sz="5400" b="1" dirty="0">
               <a:solidFill>
                 <a:srgbClr val="000066"/>
               </a:solidFill>
@@ -3679,26 +3749,16 @@
               <a:buNone/>
             </a:pPr>
             <a:r>
-              <a:rPr lang="zh-CN" altLang="en-US" sz="5400" b="1" dirty="0" smtClean="0">
+              <a:rPr lang="zh-CN" altLang="en-US" sz="5400" b="1" dirty="0">
                 <a:solidFill>
                   <a:srgbClr val="000066"/>
                 </a:solidFill>
                 <a:latin typeface="微軟正黑體" pitchFamily="34" charset="-120"/>
                 <a:ea typeface="微軟正黑體" pitchFamily="34" charset="-120"/>
               </a:rPr>
-              <a:t>日</a:t>
-            </a:r>
-            <a:r>
-              <a:rPr lang="zh-CN" altLang="en-US" sz="5400" b="1" dirty="0" smtClean="0">
-                <a:solidFill>
-                  <a:srgbClr val="000066"/>
-                </a:solidFill>
-                <a:latin typeface="微軟正黑體" pitchFamily="34" charset="-120"/>
-                <a:ea typeface="微軟正黑體" pitchFamily="34" charset="-120"/>
-              </a:rPr>
-              <a:t>日走  總跟從</a:t>
-            </a:r>
-            <a:endParaRPr lang="en-US" altLang="zh-CN" sz="5400" b="1" dirty="0" smtClean="0">
+              <a:t>日日走  總跟從</a:t>
+            </a:r>
+            <a:endParaRPr lang="en-US" altLang="zh-CN" sz="5400" b="1" dirty="0">
               <a:solidFill>
                 <a:srgbClr val="000066"/>
               </a:solidFill>
@@ -3711,7 +3771,7 @@
               <a:buNone/>
             </a:pPr>
             <a:r>
-              <a:rPr lang="zh-CN" altLang="en-US" sz="5400" b="1" dirty="0" smtClean="0">
+              <a:rPr lang="zh-CN" altLang="en-US" sz="5400" b="1" dirty="0">
                 <a:solidFill>
                   <a:srgbClr val="000066"/>
                 </a:solidFill>
@@ -3811,7 +3871,7 @@
               <a:buNone/>
             </a:pPr>
             <a:r>
-              <a:rPr lang="zh-CN" altLang="en-US" sz="5400" b="1" dirty="0" smtClean="0">
+              <a:rPr lang="zh-CN" altLang="en-US" sz="5400" b="1" dirty="0">
                 <a:solidFill>
                   <a:srgbClr val="000066"/>
                 </a:solidFill>
@@ -3820,7 +3880,7 @@
               </a:rPr>
               <a:t>一步一步要跟從耶穌</a:t>
             </a:r>
-            <a:endParaRPr lang="en-US" altLang="zh-CN" sz="5400" b="1" dirty="0" smtClean="0">
+            <a:endParaRPr lang="en-US" altLang="zh-CN" sz="5400" b="1" dirty="0">
               <a:solidFill>
                 <a:srgbClr val="000066"/>
               </a:solidFill>
@@ -3833,7 +3893,7 @@
               <a:buNone/>
             </a:pPr>
             <a:r>
-              <a:rPr lang="zh-CN" altLang="en-US" sz="5400" b="1" dirty="0" smtClean="0">
+              <a:rPr lang="zh-CN" altLang="en-US" sz="5400" b="1" dirty="0">
                 <a:solidFill>
                   <a:srgbClr val="000066"/>
                 </a:solidFill>
@@ -3842,7 +3902,7 @@
               </a:rPr>
               <a:t>我時刻要跟從主</a:t>
             </a:r>
-            <a:endParaRPr lang="en-US" altLang="zh-CN" sz="5400" b="1" dirty="0" smtClean="0">
+            <a:endParaRPr lang="en-US" altLang="zh-CN" sz="5400" b="1" dirty="0">
               <a:solidFill>
                 <a:srgbClr val="000066"/>
               </a:solidFill>
@@ -3855,7 +3915,7 @@
               <a:buNone/>
             </a:pPr>
             <a:r>
-              <a:rPr lang="zh-CN" altLang="en-US" sz="5400" b="1" dirty="0" smtClean="0">
+              <a:rPr lang="zh-CN" altLang="en-US" sz="5400" b="1" dirty="0">
                 <a:solidFill>
                   <a:srgbClr val="000066"/>
                 </a:solidFill>
@@ -3864,7 +3924,7 @@
               </a:rPr>
               <a:t>雖無羽翼能向天高飛</a:t>
             </a:r>
-            <a:endParaRPr lang="en-US" altLang="zh-CN" sz="5400" b="1" dirty="0" smtClean="0">
+            <a:endParaRPr lang="en-US" altLang="zh-CN" sz="5400" b="1" dirty="0">
               <a:solidFill>
                 <a:srgbClr val="000066"/>
               </a:solidFill>
@@ -3877,7 +3937,7 @@
               <a:buNone/>
             </a:pPr>
             <a:r>
-              <a:rPr lang="zh-CN" altLang="en-US" sz="5400" b="1" dirty="0" smtClean="0">
+              <a:rPr lang="zh-CN" altLang="en-US" sz="5400" b="1" dirty="0">
                 <a:solidFill>
                   <a:srgbClr val="000066"/>
                 </a:solidFill>
@@ -3892,6 +3952,52 @@
               </a:solidFill>
               <a:latin typeface="微軟正黑體" pitchFamily="34" charset="-120"/>
               <a:ea typeface="微軟正黑體" pitchFamily="34" charset="-120"/>
+            </a:endParaRPr>
+          </a:p>
+        </p:txBody>
+      </p:sp>
+      <p:sp>
+        <p:nvSpPr>
+          <p:cNvPr id="6" name="TextBox 5"/>
+          <p:cNvSpPr txBox="1"/>
+          <p:nvPr/>
+        </p:nvSpPr>
+        <p:spPr>
+          <a:xfrm>
+            <a:off x="839416" y="1700808"/>
+            <a:ext cx="1008112" cy="923330"/>
+          </a:xfrm>
+          <a:prstGeom prst="rect">
+            <a:avLst/>
+          </a:prstGeom>
+          <a:noFill/>
+        </p:spPr>
+        <p:txBody>
+          <a:bodyPr wrap="square" rtlCol="0">
+            <a:spAutoFit/>
+          </a:bodyPr>
+          <a:lstStyle/>
+          <a:p>
+            <a:r>
+              <a:rPr lang="en-US" sz="5400" b="1" dirty="0">
+                <a:solidFill>
+                  <a:srgbClr val="000066"/>
+                </a:solidFill>
+              </a:rPr>
+              <a:t>3</a:t>
+            </a:r>
+            <a:r>
+              <a:rPr lang="en-US" sz="5400" b="1" dirty="0" smtClean="0">
+                <a:solidFill>
+                  <a:srgbClr val="000066"/>
+                </a:solidFill>
+              </a:rPr>
+              <a:t>.</a:t>
+            </a:r>
+            <a:endParaRPr lang="vi-VN" sz="5400" b="1" dirty="0">
+              <a:solidFill>
+                <a:srgbClr val="000066"/>
+              </a:solidFill>
             </a:endParaRPr>
           </a:p>
         </p:txBody>
@@ -3977,7 +4083,7 @@
               <a:buNone/>
             </a:pPr>
             <a:r>
-              <a:rPr lang="zh-CN" altLang="en-US" sz="5400" b="1" dirty="0" smtClean="0">
+              <a:rPr lang="zh-CN" altLang="en-US" sz="5400" b="1" dirty="0">
                 <a:solidFill>
                   <a:srgbClr val="000066"/>
                 </a:solidFill>
@@ -3986,7 +4092,7 @@
               </a:rPr>
               <a:t>跟隨主  跟隨主</a:t>
             </a:r>
-            <a:endParaRPr lang="en-US" altLang="zh-CN" sz="5400" b="1" dirty="0" smtClean="0">
+            <a:endParaRPr lang="en-US" altLang="zh-CN" sz="5400" b="1" dirty="0">
               <a:solidFill>
                 <a:srgbClr val="000066"/>
               </a:solidFill>
@@ -3999,7 +4105,7 @@
               <a:buNone/>
             </a:pPr>
             <a:r>
-              <a:rPr lang="zh-CN" altLang="en-US" sz="5400" b="1" dirty="0" smtClean="0">
+              <a:rPr lang="zh-CN" altLang="en-US" sz="5400" b="1" dirty="0">
                 <a:solidFill>
                   <a:srgbClr val="000066"/>
                 </a:solidFill>
@@ -4008,7 +4114,7 @@
               </a:rPr>
               <a:t>步步願跟耶穌</a:t>
             </a:r>
-            <a:endParaRPr lang="en-US" altLang="zh-CN" sz="5400" b="1" dirty="0" smtClean="0">
+            <a:endParaRPr lang="en-US" altLang="zh-CN" sz="5400" b="1" dirty="0">
               <a:solidFill>
                 <a:srgbClr val="000066"/>
               </a:solidFill>
@@ -4021,26 +4127,16 @@
               <a:buNone/>
             </a:pPr>
             <a:r>
-              <a:rPr lang="zh-CN" altLang="en-US" sz="5400" b="1" dirty="0" smtClean="0">
+              <a:rPr lang="zh-CN" altLang="en-US" sz="5400" b="1" dirty="0">
                 <a:solidFill>
                   <a:srgbClr val="000066"/>
                 </a:solidFill>
                 <a:latin typeface="微軟正黑體" pitchFamily="34" charset="-120"/>
                 <a:ea typeface="微軟正黑體" pitchFamily="34" charset="-120"/>
               </a:rPr>
-              <a:t>日</a:t>
-            </a:r>
-            <a:r>
-              <a:rPr lang="zh-CN" altLang="en-US" sz="5400" b="1" dirty="0" smtClean="0">
-                <a:solidFill>
-                  <a:srgbClr val="000066"/>
-                </a:solidFill>
-                <a:latin typeface="微軟正黑體" pitchFamily="34" charset="-120"/>
-                <a:ea typeface="微軟正黑體" pitchFamily="34" charset="-120"/>
-              </a:rPr>
-              <a:t>日走  總跟從</a:t>
-            </a:r>
-            <a:endParaRPr lang="en-US" altLang="zh-CN" sz="5400" b="1" dirty="0" smtClean="0">
+              <a:t>日日走  總跟從</a:t>
+            </a:r>
+            <a:endParaRPr lang="en-US" altLang="zh-CN" sz="5400" b="1" dirty="0">
               <a:solidFill>
                 <a:srgbClr val="000066"/>
               </a:solidFill>
@@ -4053,7 +4149,7 @@
               <a:buNone/>
             </a:pPr>
             <a:r>
-              <a:rPr lang="zh-CN" altLang="en-US" sz="5400" b="1" dirty="0" smtClean="0">
+              <a:rPr lang="zh-CN" altLang="en-US" sz="5400" b="1" dirty="0">
                 <a:solidFill>
                   <a:srgbClr val="000066"/>
                 </a:solidFill>
@@ -4153,7 +4249,7 @@
               <a:buNone/>
             </a:pPr>
             <a:r>
-              <a:rPr lang="zh-CN" altLang="en-US" sz="5400" b="1" dirty="0" smtClean="0">
+              <a:rPr lang="zh-CN" altLang="en-US" sz="5400" b="1" dirty="0">
                 <a:solidFill>
                   <a:srgbClr val="000066"/>
                 </a:solidFill>
@@ -4162,7 +4258,7 @@
               </a:rPr>
               <a:t>求主使我親近更親近</a:t>
             </a:r>
-            <a:endParaRPr lang="en-US" altLang="zh-CN" sz="5400" b="1" dirty="0" smtClean="0">
+            <a:endParaRPr lang="en-US" altLang="zh-CN" sz="5400" b="1" dirty="0">
               <a:solidFill>
                 <a:srgbClr val="000066"/>
               </a:solidFill>
@@ -4175,7 +4271,7 @@
               <a:buNone/>
             </a:pPr>
             <a:r>
-              <a:rPr lang="zh-CN" altLang="en-US" sz="5400" b="1" dirty="0" smtClean="0">
+              <a:rPr lang="zh-CN" altLang="en-US" sz="5400" b="1" dirty="0">
                 <a:solidFill>
                   <a:srgbClr val="000066"/>
                 </a:solidFill>
@@ -4184,7 +4280,7 @@
               </a:rPr>
               <a:t>步步進日日親近</a:t>
             </a:r>
-            <a:endParaRPr lang="en-US" altLang="zh-CN" sz="5400" b="1" dirty="0" smtClean="0">
+            <a:endParaRPr lang="en-US" altLang="zh-CN" sz="5400" b="1" dirty="0">
               <a:solidFill>
                 <a:srgbClr val="000066"/>
               </a:solidFill>
@@ -4197,7 +4293,7 @@
               <a:buNone/>
             </a:pPr>
             <a:r>
-              <a:rPr lang="zh-CN" altLang="en-US" sz="5400" b="1" dirty="0" smtClean="0">
+              <a:rPr lang="zh-CN" altLang="en-US" sz="5400" b="1" dirty="0">
                 <a:solidFill>
                   <a:srgbClr val="000066"/>
                 </a:solidFill>
@@ -4206,7 +4302,7 @@
               </a:rPr>
               <a:t>救主腳蹤步步要跟從</a:t>
             </a:r>
-            <a:endParaRPr lang="en-US" altLang="zh-CN" sz="5400" b="1" dirty="0" smtClean="0">
+            <a:endParaRPr lang="en-US" altLang="zh-CN" sz="5400" b="1" dirty="0">
               <a:solidFill>
                 <a:srgbClr val="000066"/>
               </a:solidFill>
@@ -4219,24 +4315,14 @@
               <a:buNone/>
             </a:pPr>
             <a:r>
-              <a:rPr lang="zh-CN" altLang="en-US" sz="5400" b="1" dirty="0" smtClean="0">
+              <a:rPr lang="zh-CN" altLang="en-US" sz="5400" b="1" dirty="0">
                 <a:solidFill>
                   <a:srgbClr val="000066"/>
                 </a:solidFill>
                 <a:latin typeface="微軟正黑體" pitchFamily="34" charset="-120"/>
                 <a:ea typeface="微軟正黑體" pitchFamily="34" charset="-120"/>
               </a:rPr>
-              <a:t>跟</a:t>
-            </a:r>
-            <a:r>
-              <a:rPr lang="zh-CN" altLang="en-US" sz="5400" b="1" dirty="0" smtClean="0">
-                <a:solidFill>
-                  <a:srgbClr val="000066"/>
-                </a:solidFill>
-                <a:latin typeface="微軟正黑體" pitchFamily="34" charset="-120"/>
-                <a:ea typeface="微軟正黑體" pitchFamily="34" charset="-120"/>
-              </a:rPr>
-              <a:t>從耶穌直到終</a:t>
+              <a:t>跟從耶穌直到終</a:t>
             </a:r>
             <a:endParaRPr lang="zh-TW" altLang="en-US" sz="5400" b="1" dirty="0">
               <a:solidFill>
@@ -4244,6 +4330,52 @@
               </a:solidFill>
               <a:latin typeface="微軟正黑體" pitchFamily="34" charset="-120"/>
               <a:ea typeface="微軟正黑體" pitchFamily="34" charset="-120"/>
+            </a:endParaRPr>
+          </a:p>
+        </p:txBody>
+      </p:sp>
+      <p:sp>
+        <p:nvSpPr>
+          <p:cNvPr id="6" name="TextBox 5"/>
+          <p:cNvSpPr txBox="1"/>
+          <p:nvPr/>
+        </p:nvSpPr>
+        <p:spPr>
+          <a:xfrm>
+            <a:off x="839416" y="1700808"/>
+            <a:ext cx="1008112" cy="923330"/>
+          </a:xfrm>
+          <a:prstGeom prst="rect">
+            <a:avLst/>
+          </a:prstGeom>
+          <a:noFill/>
+        </p:spPr>
+        <p:txBody>
+          <a:bodyPr wrap="square" rtlCol="0">
+            <a:spAutoFit/>
+          </a:bodyPr>
+          <a:lstStyle/>
+          <a:p>
+            <a:r>
+              <a:rPr lang="en-US" sz="5400" b="1" dirty="0">
+                <a:solidFill>
+                  <a:srgbClr val="000066"/>
+                </a:solidFill>
+              </a:rPr>
+              <a:t>4</a:t>
+            </a:r>
+            <a:r>
+              <a:rPr lang="en-US" sz="5400" b="1" dirty="0" smtClean="0">
+                <a:solidFill>
+                  <a:srgbClr val="000066"/>
+                </a:solidFill>
+              </a:rPr>
+              <a:t>.</a:t>
+            </a:r>
+            <a:endParaRPr lang="vi-VN" sz="5400" b="1" dirty="0">
+              <a:solidFill>
+                <a:srgbClr val="000066"/>
+              </a:solidFill>
             </a:endParaRPr>
           </a:p>
         </p:txBody>
@@ -4329,7 +4461,7 @@
               <a:buNone/>
             </a:pPr>
             <a:r>
-              <a:rPr lang="zh-CN" altLang="en-US" sz="5400" b="1" dirty="0" smtClean="0">
+              <a:rPr lang="zh-CN" altLang="en-US" sz="5400" b="1" dirty="0">
                 <a:solidFill>
                   <a:srgbClr val="000066"/>
                 </a:solidFill>
@@ -4338,7 +4470,7 @@
               </a:rPr>
               <a:t>跟隨主  跟隨主</a:t>
             </a:r>
-            <a:endParaRPr lang="en-US" altLang="zh-CN" sz="5400" b="1" dirty="0" smtClean="0">
+            <a:endParaRPr lang="en-US" altLang="zh-CN" sz="5400" b="1" dirty="0">
               <a:solidFill>
                 <a:srgbClr val="000066"/>
               </a:solidFill>
@@ -4351,7 +4483,7 @@
               <a:buNone/>
             </a:pPr>
             <a:r>
-              <a:rPr lang="zh-CN" altLang="en-US" sz="5400" b="1" dirty="0" smtClean="0">
+              <a:rPr lang="zh-CN" altLang="en-US" sz="5400" b="1" dirty="0">
                 <a:solidFill>
                   <a:srgbClr val="000066"/>
                 </a:solidFill>
@@ -4360,7 +4492,7 @@
               </a:rPr>
               <a:t>步步願跟耶穌</a:t>
             </a:r>
-            <a:endParaRPr lang="en-US" altLang="zh-CN" sz="5400" b="1" dirty="0" smtClean="0">
+            <a:endParaRPr lang="en-US" altLang="zh-CN" sz="5400" b="1" dirty="0">
               <a:solidFill>
                 <a:srgbClr val="000066"/>
               </a:solidFill>
@@ -4373,26 +4505,16 @@
               <a:buNone/>
             </a:pPr>
             <a:r>
-              <a:rPr lang="zh-CN" altLang="en-US" sz="5400" b="1" dirty="0" smtClean="0">
+              <a:rPr lang="zh-CN" altLang="en-US" sz="5400" b="1" dirty="0">
                 <a:solidFill>
                   <a:srgbClr val="000066"/>
                 </a:solidFill>
                 <a:latin typeface="微軟正黑體" pitchFamily="34" charset="-120"/>
                 <a:ea typeface="微軟正黑體" pitchFamily="34" charset="-120"/>
               </a:rPr>
-              <a:t>日</a:t>
-            </a:r>
-            <a:r>
-              <a:rPr lang="zh-CN" altLang="en-US" sz="5400" b="1" dirty="0" smtClean="0">
-                <a:solidFill>
-                  <a:srgbClr val="000066"/>
-                </a:solidFill>
-                <a:latin typeface="微軟正黑體" pitchFamily="34" charset="-120"/>
-                <a:ea typeface="微軟正黑體" pitchFamily="34" charset="-120"/>
-              </a:rPr>
-              <a:t>日走  總跟從</a:t>
-            </a:r>
-            <a:endParaRPr lang="en-US" altLang="zh-CN" sz="5400" b="1" dirty="0" smtClean="0">
+              <a:t>日日走  總跟從</a:t>
+            </a:r>
+            <a:endParaRPr lang="en-US" altLang="zh-CN" sz="5400" b="1" dirty="0">
               <a:solidFill>
                 <a:srgbClr val="000066"/>
               </a:solidFill>
@@ -4405,7 +4527,7 @@
               <a:buNone/>
             </a:pPr>
             <a:r>
-              <a:rPr lang="zh-CN" altLang="en-US" sz="5400" b="1" dirty="0" smtClean="0">
+              <a:rPr lang="zh-CN" altLang="en-US" sz="5400" b="1" dirty="0">
                 <a:solidFill>
                   <a:srgbClr val="000066"/>
                 </a:solidFill>

--- a/宣道詩/(宣道詩219)跟從主.pptx
+++ b/宣道詩/(宣道詩219)跟從主.pptx
@@ -5,14 +5,19 @@
     <p:sldMasterId id="2147483660" r:id="rId1"/>
   </p:sldMasterIdLst>
   <p:sldIdLst>
-    <p:sldId id="256" r:id="rId2"/>
-    <p:sldId id="257" r:id="rId3"/>
-    <p:sldId id="258" r:id="rId4"/>
-    <p:sldId id="259" r:id="rId5"/>
-    <p:sldId id="260" r:id="rId6"/>
-    <p:sldId id="261" r:id="rId7"/>
-    <p:sldId id="262" r:id="rId8"/>
-    <p:sldId id="263" r:id="rId9"/>
+    <p:sldId id="264" r:id="rId2"/>
+    <p:sldId id="265" r:id="rId3"/>
+    <p:sldId id="266" r:id="rId4"/>
+    <p:sldId id="267" r:id="rId5"/>
+    <p:sldId id="268" r:id="rId6"/>
+    <p:sldId id="269" r:id="rId7"/>
+    <p:sldId id="270" r:id="rId8"/>
+    <p:sldId id="271" r:id="rId9"/>
+    <p:sldId id="272" r:id="rId10"/>
+    <p:sldId id="273" r:id="rId11"/>
+    <p:sldId id="274" r:id="rId12"/>
+    <p:sldId id="275" r:id="rId13"/>
+    <p:sldId id="276" r:id="rId14"/>
   </p:sldIdLst>
   <p:sldSz cx="12192000" cy="6858000"/>
   <p:notesSz cx="6858000" cy="9144000"/>
@@ -311,7 +316,7 @@
           <a:p>
             <a:fld id="{20E259B5-6EC5-4596-8B61-4210C4B5850B}" type="datetimeFigureOut">
               <a:rPr lang="zh-TW" altLang="en-US" smtClean="0"/>
-              <a:t>2020/6/20</a:t>
+              <a:t>2021/2/5</a:t>
             </a:fld>
             <a:endParaRPr lang="zh-TW" altLang="en-US"/>
           </a:p>
@@ -476,7 +481,7 @@
           <a:p>
             <a:fld id="{20E259B5-6EC5-4596-8B61-4210C4B5850B}" type="datetimeFigureOut">
               <a:rPr lang="zh-TW" altLang="en-US" smtClean="0"/>
-              <a:t>2020/6/20</a:t>
+              <a:t>2021/2/5</a:t>
             </a:fld>
             <a:endParaRPr lang="zh-TW" altLang="en-US"/>
           </a:p>
@@ -651,7 +656,7 @@
           <a:p>
             <a:fld id="{20E259B5-6EC5-4596-8B61-4210C4B5850B}" type="datetimeFigureOut">
               <a:rPr lang="zh-TW" altLang="en-US" smtClean="0"/>
-              <a:t>2020/6/20</a:t>
+              <a:t>2021/2/5</a:t>
             </a:fld>
             <a:endParaRPr lang="zh-TW" altLang="en-US"/>
           </a:p>
@@ -816,7 +821,7 @@
           <a:p>
             <a:fld id="{20E259B5-6EC5-4596-8B61-4210C4B5850B}" type="datetimeFigureOut">
               <a:rPr lang="zh-TW" altLang="en-US" smtClean="0"/>
-              <a:t>2020/6/20</a:t>
+              <a:t>2021/2/5</a:t>
             </a:fld>
             <a:endParaRPr lang="zh-TW" altLang="en-US"/>
           </a:p>
@@ -1057,7 +1062,7 @@
           <a:p>
             <a:fld id="{20E259B5-6EC5-4596-8B61-4210C4B5850B}" type="datetimeFigureOut">
               <a:rPr lang="zh-TW" altLang="en-US" smtClean="0"/>
-              <a:t>2020/6/20</a:t>
+              <a:t>2021/2/5</a:t>
             </a:fld>
             <a:endParaRPr lang="zh-TW" altLang="en-US"/>
           </a:p>
@@ -1340,7 +1345,7 @@
           <a:p>
             <a:fld id="{20E259B5-6EC5-4596-8B61-4210C4B5850B}" type="datetimeFigureOut">
               <a:rPr lang="zh-TW" altLang="en-US" smtClean="0"/>
-              <a:t>2020/6/20</a:t>
+              <a:t>2021/2/5</a:t>
             </a:fld>
             <a:endParaRPr lang="zh-TW" altLang="en-US"/>
           </a:p>
@@ -1757,7 +1762,7 @@
           <a:p>
             <a:fld id="{20E259B5-6EC5-4596-8B61-4210C4B5850B}" type="datetimeFigureOut">
               <a:rPr lang="zh-TW" altLang="en-US" smtClean="0"/>
-              <a:t>2020/6/20</a:t>
+              <a:t>2021/2/5</a:t>
             </a:fld>
             <a:endParaRPr lang="zh-TW" altLang="en-US"/>
           </a:p>
@@ -1870,7 +1875,7 @@
           <a:p>
             <a:fld id="{20E259B5-6EC5-4596-8B61-4210C4B5850B}" type="datetimeFigureOut">
               <a:rPr lang="zh-TW" altLang="en-US" smtClean="0"/>
-              <a:t>2020/6/20</a:t>
+              <a:t>2021/2/5</a:t>
             </a:fld>
             <a:endParaRPr lang="zh-TW" altLang="en-US"/>
           </a:p>
@@ -1960,7 +1965,7 @@
           <a:p>
             <a:fld id="{20E259B5-6EC5-4596-8B61-4210C4B5850B}" type="datetimeFigureOut">
               <a:rPr lang="zh-TW" altLang="en-US" smtClean="0"/>
-              <a:t>2020/6/20</a:t>
+              <a:t>2021/2/5</a:t>
             </a:fld>
             <a:endParaRPr lang="zh-TW" altLang="en-US"/>
           </a:p>
@@ -2232,7 +2237,7 @@
           <a:p>
             <a:fld id="{20E259B5-6EC5-4596-8B61-4210C4B5850B}" type="datetimeFigureOut">
               <a:rPr lang="zh-TW" altLang="en-US" smtClean="0"/>
-              <a:t>2020/6/20</a:t>
+              <a:t>2021/2/5</a:t>
             </a:fld>
             <a:endParaRPr lang="zh-TW" altLang="en-US"/>
           </a:p>
@@ -2484,7 +2489,7 @@
           <a:p>
             <a:fld id="{20E259B5-6EC5-4596-8B61-4210C4B5850B}" type="datetimeFigureOut">
               <a:rPr lang="zh-TW" altLang="en-US" smtClean="0"/>
-              <a:t>2020/6/20</a:t>
+              <a:t>2021/2/5</a:t>
             </a:fld>
             <a:endParaRPr lang="zh-TW" altLang="en-US"/>
           </a:p>
@@ -2697,7 +2702,7 @@
           <a:p>
             <a:fld id="{20E259B5-6EC5-4596-8B61-4210C4B5850B}" type="datetimeFigureOut">
               <a:rPr lang="zh-TW" altLang="en-US" smtClean="0"/>
-              <a:t>2020/6/20</a:t>
+              <a:t>2021/2/5</a:t>
             </a:fld>
             <a:endParaRPr lang="zh-TW" altLang="en-US"/>
           </a:p>
@@ -3077,86 +3082,355 @@
             <p:ph type="title"/>
           </p:nvPr>
         </p:nvSpPr>
-        <p:spPr/>
-        <p:txBody>
-          <a:bodyPr/>
-          <a:lstStyle/>
-          <a:p>
-            <a:r>
-              <a:rPr lang="zh-CN" altLang="en-US" b="1" dirty="0" smtClean="0">
+        <p:spPr>
+          <a:xfrm>
+            <a:off x="0" y="2857513"/>
+            <a:ext cx="12192000" cy="1143000"/>
+          </a:xfrm>
+        </p:spPr>
+        <p:txBody>
+          <a:bodyPr>
+            <a:noAutofit/>
+          </a:bodyPr>
+          <a:lstStyle/>
+          <a:p>
+            <a:r>
+              <a:rPr lang="zh-CN" altLang="en-US" sz="5333" b="1" u="sng" dirty="0">
                 <a:solidFill>
                   <a:srgbClr val="000066"/>
                 </a:solidFill>
+                <a:effectLst>
+                  <a:outerShdw blurRad="38100" dist="38100" dir="2700000" algn="tl">
+                    <a:srgbClr val="000000">
+                      <a:alpha val="43137"/>
+                    </a:srgbClr>
+                  </a:outerShdw>
+                </a:effectLst>
                 <a:latin typeface="微軟正黑體" pitchFamily="34" charset="-120"/>
                 <a:ea typeface="微軟正黑體" pitchFamily="34" charset="-120"/>
               </a:rPr>
-              <a:t>跟從主</a:t>
-            </a:r>
-            <a:endParaRPr lang="zh-TW" altLang="en-US" b="1" dirty="0">
+              <a:t>宣道詩 </a:t>
+            </a:r>
+            <a:r>
+              <a:rPr lang="en-US" altLang="zh-CN" sz="5333" b="1" u="sng" dirty="0">
+                <a:solidFill>
+                  <a:srgbClr val="000066"/>
+                </a:solidFill>
+                <a:effectLst>
+                  <a:outerShdw blurRad="38100" dist="38100" dir="2700000" algn="tl">
+                    <a:srgbClr val="000000">
+                      <a:alpha val="43137"/>
+                    </a:srgbClr>
+                  </a:outerShdw>
+                </a:effectLst>
+                <a:latin typeface="微軟正黑體" pitchFamily="34" charset="-120"/>
+                <a:ea typeface="微軟正黑體" pitchFamily="34" charset="-120"/>
+              </a:rPr>
+              <a:t>219</a:t>
+            </a:r>
+            <a:r>
+              <a:rPr lang="en-US" altLang="zh-CN" sz="7200" b="1" i="1" dirty="0">
+                <a:solidFill>
+                  <a:srgbClr val="660033"/>
+                </a:solidFill>
+                <a:effectLst>
+                  <a:outerShdw blurRad="38100" dist="38100" dir="2700000" algn="tl">
+                    <a:srgbClr val="000000">
+                      <a:alpha val="43137"/>
+                    </a:srgbClr>
+                  </a:outerShdw>
+                </a:effectLst>
+                <a:latin typeface="微軟正黑體" pitchFamily="34" charset="-120"/>
+                <a:ea typeface="微軟正黑體" pitchFamily="34" charset="-120"/>
+              </a:rPr>
+              <a:t/>
+            </a:r>
+            <a:br>
+              <a:rPr lang="en-US" altLang="zh-CN" sz="7200" b="1" i="1" dirty="0">
+                <a:solidFill>
+                  <a:srgbClr val="660033"/>
+                </a:solidFill>
+                <a:effectLst>
+                  <a:outerShdw blurRad="38100" dist="38100" dir="2700000" algn="tl">
+                    <a:srgbClr val="000000">
+                      <a:alpha val="43137"/>
+                    </a:srgbClr>
+                  </a:outerShdw>
+                </a:effectLst>
+                <a:latin typeface="微軟正黑體" pitchFamily="34" charset="-120"/>
+                <a:ea typeface="微軟正黑體" pitchFamily="34" charset="-120"/>
+              </a:rPr>
+            </a:br>
+            <a:r>
+              <a:rPr lang="zh-CN" altLang="en-US" sz="8000" b="1" dirty="0">
+                <a:solidFill>
+                  <a:srgbClr val="660033"/>
+                </a:solidFill>
+                <a:effectLst>
+                  <a:outerShdw blurRad="38100" dist="38100" dir="2700000" algn="tl">
+                    <a:srgbClr val="000000">
+                      <a:alpha val="43137"/>
+                    </a:srgbClr>
+                  </a:outerShdw>
+                </a:effectLst>
+                <a:latin typeface="微軟正黑體" pitchFamily="34" charset="-120"/>
+                <a:ea typeface="微軟正黑體" pitchFamily="34" charset="-120"/>
+              </a:rPr>
+              <a:t>跟</a:t>
+            </a:r>
+            <a:r>
+              <a:rPr lang="zh-CN" altLang="en-US" sz="8000" b="1" dirty="0">
+                <a:solidFill>
+                  <a:srgbClr val="660033"/>
+                </a:solidFill>
+                <a:effectLst>
+                  <a:outerShdw blurRad="38100" dist="38100" dir="2700000" algn="tl">
+                    <a:srgbClr val="000000">
+                      <a:alpha val="43137"/>
+                    </a:srgbClr>
+                  </a:outerShdw>
+                </a:effectLst>
+                <a:latin typeface="微軟正黑體" pitchFamily="34" charset="-120"/>
+                <a:ea typeface="微軟正黑體" pitchFamily="34" charset="-120"/>
+              </a:rPr>
+              <a:t>從主</a:t>
+            </a:r>
+            <a:endParaRPr lang="zh-TW" altLang="en-US" sz="8000" b="1" dirty="0">
               <a:solidFill>
-                <a:srgbClr val="000066"/>
+                <a:srgbClr val="660033"/>
+              </a:solidFill>
+              <a:effectLst>
+                <a:outerShdw blurRad="38100" dist="38100" dir="2700000" algn="tl">
+                  <a:srgbClr val="000000">
+                    <a:alpha val="43137"/>
+                  </a:srgbClr>
+                </a:outerShdw>
+              </a:effectLst>
+              <a:latin typeface="微軟正黑體" pitchFamily="34" charset="-120"/>
+              <a:ea typeface="微軟正黑體" pitchFamily="34" charset="-120"/>
+            </a:endParaRPr>
+          </a:p>
+        </p:txBody>
+      </p:sp>
+    </p:spTree>
+    <p:extLst>
+      <p:ext uri="{BB962C8B-B14F-4D97-AF65-F5344CB8AC3E}">
+        <p14:creationId xmlns:p14="http://schemas.microsoft.com/office/powerpoint/2010/main" val="4265817585"/>
+      </p:ext>
+    </p:extLst>
+  </p:cSld>
+  <p:clrMapOvr>
+    <a:masterClrMapping/>
+  </p:clrMapOvr>
+  <p:timing>
+    <p:tnLst>
+      <p:par>
+        <p:cTn id="1" dur="indefinite" restart="never" nodeType="tmRoot"/>
+      </p:par>
+    </p:tnLst>
+  </p:timing>
+</p:sld>
+</file>
+
+<file path=ppt/slides/slide10.xml><?xml version="1.0" encoding="utf-8"?>
+<p:sld xmlns:a="http://schemas.openxmlformats.org/drawingml/2006/main" xmlns:r="http://schemas.openxmlformats.org/officeDocument/2006/relationships" xmlns:p="http://schemas.openxmlformats.org/presentationml/2006/main">
+  <p:cSld>
+    <p:spTree>
+      <p:nvGrpSpPr>
+        <p:cNvPr id="1" name=""/>
+        <p:cNvGrpSpPr/>
+        <p:nvPr/>
+      </p:nvGrpSpPr>
+      <p:grpSpPr>
+        <a:xfrm>
+          <a:off x="0" y="0"/>
+          <a:ext cx="0" cy="0"/>
+          <a:chOff x="0" y="0"/>
+          <a:chExt cx="0" cy="0"/>
+        </a:xfrm>
+      </p:grpSpPr>
+      <p:sp>
+        <p:nvSpPr>
+          <p:cNvPr id="5" name="內容版面配置區 4"/>
+          <p:cNvSpPr>
+            <a:spLocks noGrp="1"/>
+          </p:cNvSpPr>
+          <p:nvPr>
+            <p:ph idx="1"/>
+          </p:nvPr>
+        </p:nvSpPr>
+        <p:spPr>
+          <a:xfrm>
+            <a:off x="0" y="2084851"/>
+            <a:ext cx="12192000" cy="2404863"/>
+          </a:xfrm>
+        </p:spPr>
+        <p:txBody>
+          <a:bodyPr anchor="ctr">
+            <a:normAutofit/>
+          </a:bodyPr>
+          <a:lstStyle/>
+          <a:p>
+            <a:pPr algn="ctr">
+              <a:buNone/>
+            </a:pPr>
+            <a:r>
+              <a:rPr lang="zh-CN" altLang="en-US" sz="6400" b="1" dirty="0">
+                <a:solidFill>
+                  <a:srgbClr val="660033"/>
+                </a:solidFill>
+                <a:latin typeface="微軟正黑體" pitchFamily="34" charset="-120"/>
+                <a:ea typeface="微軟正黑體" pitchFamily="34" charset="-120"/>
+              </a:rPr>
+              <a:t>跟隨主  跟隨主</a:t>
+            </a:r>
+            <a:r>
+              <a:rPr lang="en-US" altLang="zh-CN" sz="6400" b="1" dirty="0">
+                <a:solidFill>
+                  <a:srgbClr val="660033"/>
+                </a:solidFill>
+                <a:latin typeface="微軟正黑體" pitchFamily="34" charset="-120"/>
+                <a:ea typeface="微軟正黑體" pitchFamily="34" charset="-120"/>
+              </a:rPr>
+              <a:t>  </a:t>
+            </a:r>
+            <a:r>
+              <a:rPr lang="zh-CN" altLang="en-US" sz="6400" b="1" dirty="0">
+                <a:solidFill>
+                  <a:srgbClr val="660033"/>
+                </a:solidFill>
+                <a:latin typeface="微軟正黑體" pitchFamily="34" charset="-120"/>
+                <a:ea typeface="微軟正黑體" pitchFamily="34" charset="-120"/>
+              </a:rPr>
+              <a:t>步步願跟耶穌</a:t>
+            </a:r>
+            <a:endParaRPr lang="en-US" altLang="zh-CN" sz="6400" b="1" dirty="0">
+              <a:solidFill>
+                <a:srgbClr val="660033"/>
               </a:solidFill>
               <a:latin typeface="微軟正黑體" pitchFamily="34" charset="-120"/>
               <a:ea typeface="微軟正黑體" pitchFamily="34" charset="-120"/>
             </a:endParaRPr>
           </a:p>
-        </p:txBody>
-      </p:sp>
-      <p:sp>
-        <p:nvSpPr>
-          <p:cNvPr id="5" name="內容版面配置區 4"/>
-          <p:cNvSpPr>
-            <a:spLocks noGrp="1"/>
-          </p:cNvSpPr>
-          <p:nvPr>
-            <p:ph idx="1"/>
-          </p:nvPr>
-        </p:nvSpPr>
-        <p:spPr/>
-        <p:txBody>
-          <a:bodyPr>
-            <a:normAutofit/>
-          </a:bodyPr>
-          <a:lstStyle/>
           <a:p>
             <a:pPr algn="ctr">
               <a:buNone/>
             </a:pPr>
             <a:r>
-              <a:rPr lang="zh-CN" altLang="en-US" sz="5400" b="1" dirty="0">
-                <a:solidFill>
-                  <a:srgbClr val="000066"/>
+              <a:rPr lang="zh-CN" altLang="en-US" sz="6400" b="1" dirty="0">
+                <a:solidFill>
+                  <a:srgbClr val="660033"/>
                 </a:solidFill>
                 <a:latin typeface="微軟正黑體" pitchFamily="34" charset="-120"/>
                 <a:ea typeface="微軟正黑體" pitchFamily="34" charset="-120"/>
               </a:rPr>
-              <a:t>與神同行情意何佳美</a:t>
-            </a:r>
-            <a:endParaRPr lang="en-US" altLang="zh-CN" sz="5400" b="1" dirty="0">
+              <a:t>日日走  總跟從</a:t>
+            </a:r>
+            <a:r>
+              <a:rPr lang="en-US" altLang="zh-CN" sz="6400" b="1" dirty="0">
+                <a:solidFill>
+                  <a:srgbClr val="660033"/>
+                </a:solidFill>
+                <a:latin typeface="微軟正黑體" pitchFamily="34" charset="-120"/>
+                <a:ea typeface="微軟正黑體" pitchFamily="34" charset="-120"/>
+              </a:rPr>
+              <a:t>  </a:t>
+            </a:r>
+            <a:r>
+              <a:rPr lang="zh-CN" altLang="en-US" sz="6400" b="1" dirty="0">
+                <a:solidFill>
+                  <a:srgbClr val="660033"/>
+                </a:solidFill>
+                <a:latin typeface="微軟正黑體" pitchFamily="34" charset="-120"/>
+                <a:ea typeface="微軟正黑體" pitchFamily="34" charset="-120"/>
+              </a:rPr>
+              <a:t>步步跟從耶穌</a:t>
+            </a:r>
+            <a:endParaRPr lang="zh-TW" altLang="en-US" sz="6400" b="1" dirty="0">
               <a:solidFill>
-                <a:srgbClr val="000066"/>
+                <a:srgbClr val="660033"/>
               </a:solidFill>
               <a:latin typeface="微軟正黑體" pitchFamily="34" charset="-120"/>
               <a:ea typeface="微軟正黑體" pitchFamily="34" charset="-120"/>
             </a:endParaRPr>
           </a:p>
+        </p:txBody>
+      </p:sp>
+    </p:spTree>
+    <p:extLst>
+      <p:ext uri="{BB962C8B-B14F-4D97-AF65-F5344CB8AC3E}">
+        <p14:creationId xmlns:p14="http://schemas.microsoft.com/office/powerpoint/2010/main" val="985856572"/>
+      </p:ext>
+    </p:extLst>
+  </p:cSld>
+  <p:clrMapOvr>
+    <a:masterClrMapping/>
+  </p:clrMapOvr>
+  <p:timing>
+    <p:tnLst>
+      <p:par>
+        <p:cTn id="1" dur="indefinite" restart="never" nodeType="tmRoot"/>
+      </p:par>
+    </p:tnLst>
+  </p:timing>
+</p:sld>
+</file>
+
+<file path=ppt/slides/slide11.xml><?xml version="1.0" encoding="utf-8"?>
+<p:sld xmlns:a="http://schemas.openxmlformats.org/drawingml/2006/main" xmlns:r="http://schemas.openxmlformats.org/officeDocument/2006/relationships" xmlns:p="http://schemas.openxmlformats.org/presentationml/2006/main">
+  <p:cSld>
+    <p:spTree>
+      <p:nvGrpSpPr>
+        <p:cNvPr id="1" name=""/>
+        <p:cNvGrpSpPr/>
+        <p:nvPr/>
+      </p:nvGrpSpPr>
+      <p:grpSpPr>
+        <a:xfrm>
+          <a:off x="0" y="0"/>
+          <a:ext cx="0" cy="0"/>
+          <a:chOff x="0" y="0"/>
+          <a:chExt cx="0" cy="0"/>
+        </a:xfrm>
+      </p:grpSpPr>
+      <p:sp>
+        <p:nvSpPr>
+          <p:cNvPr id="5" name="內容版面配置區 4"/>
+          <p:cNvSpPr>
+            <a:spLocks noGrp="1"/>
+          </p:cNvSpPr>
+          <p:nvPr>
+            <p:ph idx="1"/>
+          </p:nvPr>
+        </p:nvSpPr>
+        <p:spPr>
+          <a:xfrm>
+            <a:off x="0" y="2084851"/>
+            <a:ext cx="12192000" cy="2404863"/>
+          </a:xfrm>
+        </p:spPr>
+        <p:txBody>
+          <a:bodyPr anchor="ctr">
+            <a:normAutofit/>
+          </a:bodyPr>
+          <a:lstStyle/>
           <a:p>
             <a:pPr algn="ctr">
               <a:buNone/>
             </a:pPr>
             <a:r>
-              <a:rPr lang="zh-CN" altLang="en-US" sz="5400" b="1" dirty="0">
-                <a:solidFill>
-                  <a:srgbClr val="000066"/>
+              <a:rPr lang="zh-CN" altLang="en-US" sz="6400" b="1" dirty="0">
+                <a:solidFill>
+                  <a:srgbClr val="660033"/>
                 </a:solidFill>
                 <a:latin typeface="微軟正黑體" pitchFamily="34" charset="-120"/>
                 <a:ea typeface="微軟正黑體" pitchFamily="34" charset="-120"/>
               </a:rPr>
-              <a:t>步步進日日跟隨</a:t>
-            </a:r>
-            <a:endParaRPr lang="en-US" altLang="zh-CN" sz="5400" b="1" dirty="0">
+              <a:t>求主使我親近更親近</a:t>
+            </a:r>
+            <a:endParaRPr lang="en-US" altLang="zh-CN" sz="6400" b="1" dirty="0">
               <a:solidFill>
-                <a:srgbClr val="000066"/>
+                <a:srgbClr val="660033"/>
               </a:solidFill>
               <a:latin typeface="微軟正黑體" pitchFamily="34" charset="-120"/>
               <a:ea typeface="微軟正黑體" pitchFamily="34" charset="-120"/>
@@ -3167,57 +3441,35 @@
               <a:buNone/>
             </a:pPr>
             <a:r>
-              <a:rPr lang="zh-CN" altLang="en-US" sz="5400" b="1" dirty="0">
-                <a:solidFill>
-                  <a:srgbClr val="000066"/>
+              <a:rPr lang="zh-CN" altLang="en-US" sz="6400" b="1" dirty="0">
+                <a:solidFill>
+                  <a:srgbClr val="660033"/>
                 </a:solidFill>
                 <a:latin typeface="微軟正黑體" pitchFamily="34" charset="-120"/>
                 <a:ea typeface="微軟正黑體" pitchFamily="34" charset="-120"/>
               </a:rPr>
-              <a:t>救主腳蹤步步要跟從</a:t>
-            </a:r>
-            <a:endParaRPr lang="en-US" altLang="zh-CN" sz="5400" b="1" dirty="0">
+              <a:t>步步進日日親近</a:t>
+            </a:r>
+            <a:endParaRPr lang="en-US" altLang="zh-CN" sz="6400" b="1" dirty="0">
               <a:solidFill>
-                <a:srgbClr val="000066"/>
+                <a:srgbClr val="660033"/>
               </a:solidFill>
               <a:latin typeface="微軟正黑體" pitchFamily="34" charset="-120"/>
               <a:ea typeface="微軟正黑體" pitchFamily="34" charset="-120"/>
             </a:endParaRPr>
           </a:p>
-          <a:p>
-            <a:pPr algn="ctr">
-              <a:buNone/>
-            </a:pPr>
-            <a:r>
-              <a:rPr lang="zh-CN" altLang="en-US" sz="5400" b="1" dirty="0">
-                <a:solidFill>
-                  <a:srgbClr val="000066"/>
-                </a:solidFill>
-                <a:latin typeface="微軟正黑體" pitchFamily="34" charset="-120"/>
-                <a:ea typeface="微軟正黑體" pitchFamily="34" charset="-120"/>
-              </a:rPr>
-              <a:t>跟從耶穌直到終</a:t>
-            </a:r>
-            <a:endParaRPr lang="zh-TW" altLang="en-US" sz="5400" b="1" dirty="0">
-              <a:solidFill>
-                <a:srgbClr val="000066"/>
-              </a:solidFill>
-              <a:latin typeface="微軟正黑體" pitchFamily="34" charset="-120"/>
-              <a:ea typeface="微軟正黑體" pitchFamily="34" charset="-120"/>
-            </a:endParaRPr>
-          </a:p>
-        </p:txBody>
-      </p:sp>
-      <p:sp>
-        <p:nvSpPr>
-          <p:cNvPr id="2" name="TextBox 1"/>
+        </p:txBody>
+      </p:sp>
+      <p:sp>
+        <p:nvSpPr>
+          <p:cNvPr id="3" name="TextBox 2"/>
           <p:cNvSpPr txBox="1"/>
           <p:nvPr/>
         </p:nvSpPr>
         <p:spPr>
           <a:xfrm>
-            <a:off x="839416" y="1700808"/>
-            <a:ext cx="1008112" cy="923330"/>
+            <a:off x="0" y="5253203"/>
+            <a:ext cx="12192000" cy="830997"/>
           </a:xfrm>
           <a:prstGeom prst="rect">
             <a:avLst/>
@@ -3230,27 +3482,327 @@
           </a:bodyPr>
           <a:lstStyle/>
           <a:p>
-            <a:r>
-              <a:rPr lang="en-US" sz="5400" b="1" dirty="0" smtClean="0">
-                <a:solidFill>
-                  <a:srgbClr val="000066"/>
-                </a:solidFill>
-              </a:rPr>
-              <a:t>1.</a:t>
-            </a:r>
-            <a:endParaRPr lang="vi-VN" sz="5400" b="1" dirty="0">
+            <a:pPr algn="ctr"/>
+            <a:r>
+              <a:rPr lang="en-US" sz="4800" b="1" dirty="0">
+                <a:solidFill>
+                  <a:srgbClr val="660033"/>
+                </a:solidFill>
+              </a:rPr>
+              <a:t>( 4 )</a:t>
+            </a:r>
+            <a:endParaRPr lang="vi-VN" sz="4800" b="1" dirty="0">
               <a:solidFill>
-                <a:srgbClr val="000066"/>
+                <a:srgbClr val="660033"/>
               </a:solidFill>
             </a:endParaRPr>
           </a:p>
         </p:txBody>
       </p:sp>
     </p:spTree>
+    <p:extLst>
+      <p:ext uri="{BB962C8B-B14F-4D97-AF65-F5344CB8AC3E}">
+        <p14:creationId xmlns:p14="http://schemas.microsoft.com/office/powerpoint/2010/main" val="690636323"/>
+      </p:ext>
+    </p:extLst>
   </p:cSld>
   <p:clrMapOvr>
     <a:masterClrMapping/>
   </p:clrMapOvr>
+  <p:timing>
+    <p:tnLst>
+      <p:par>
+        <p:cTn id="1" dur="indefinite" restart="never" nodeType="tmRoot"/>
+      </p:par>
+    </p:tnLst>
+  </p:timing>
+</p:sld>
+</file>
+
+<file path=ppt/slides/slide12.xml><?xml version="1.0" encoding="utf-8"?>
+<p:sld xmlns:a="http://schemas.openxmlformats.org/drawingml/2006/main" xmlns:r="http://schemas.openxmlformats.org/officeDocument/2006/relationships" xmlns:p="http://schemas.openxmlformats.org/presentationml/2006/main">
+  <p:cSld>
+    <p:spTree>
+      <p:nvGrpSpPr>
+        <p:cNvPr id="1" name=""/>
+        <p:cNvGrpSpPr/>
+        <p:nvPr/>
+      </p:nvGrpSpPr>
+      <p:grpSpPr>
+        <a:xfrm>
+          <a:off x="0" y="0"/>
+          <a:ext cx="0" cy="0"/>
+          <a:chOff x="0" y="0"/>
+          <a:chExt cx="0" cy="0"/>
+        </a:xfrm>
+      </p:grpSpPr>
+      <p:sp>
+        <p:nvSpPr>
+          <p:cNvPr id="5" name="內容版面配置區 4"/>
+          <p:cNvSpPr>
+            <a:spLocks noGrp="1"/>
+          </p:cNvSpPr>
+          <p:nvPr>
+            <p:ph idx="1"/>
+          </p:nvPr>
+        </p:nvSpPr>
+        <p:spPr>
+          <a:xfrm>
+            <a:off x="0" y="2084851"/>
+            <a:ext cx="12192000" cy="2404863"/>
+          </a:xfrm>
+        </p:spPr>
+        <p:txBody>
+          <a:bodyPr anchor="ctr">
+            <a:normAutofit/>
+          </a:bodyPr>
+          <a:lstStyle/>
+          <a:p>
+            <a:pPr algn="ctr">
+              <a:buNone/>
+            </a:pPr>
+            <a:r>
+              <a:rPr lang="zh-CN" altLang="en-US" sz="6400" b="1" dirty="0">
+                <a:solidFill>
+                  <a:srgbClr val="660033"/>
+                </a:solidFill>
+                <a:latin typeface="微軟正黑體" pitchFamily="34" charset="-120"/>
+                <a:ea typeface="微軟正黑體" pitchFamily="34" charset="-120"/>
+              </a:rPr>
+              <a:t>救主腳蹤步步要跟從</a:t>
+            </a:r>
+            <a:endParaRPr lang="en-US" altLang="zh-CN" sz="6400" b="1" dirty="0">
+              <a:solidFill>
+                <a:srgbClr val="660033"/>
+              </a:solidFill>
+              <a:latin typeface="微軟正黑體" pitchFamily="34" charset="-120"/>
+              <a:ea typeface="微軟正黑體" pitchFamily="34" charset="-120"/>
+            </a:endParaRPr>
+          </a:p>
+          <a:p>
+            <a:pPr algn="ctr">
+              <a:buNone/>
+            </a:pPr>
+            <a:r>
+              <a:rPr lang="zh-CN" altLang="en-US" sz="6400" b="1" dirty="0">
+                <a:solidFill>
+                  <a:srgbClr val="660033"/>
+                </a:solidFill>
+                <a:latin typeface="微軟正黑體" pitchFamily="34" charset="-120"/>
+                <a:ea typeface="微軟正黑體" pitchFamily="34" charset="-120"/>
+              </a:rPr>
+              <a:t>跟從耶穌直到終</a:t>
+            </a:r>
+            <a:endParaRPr lang="zh-TW" altLang="en-US" sz="6400" b="1" dirty="0">
+              <a:solidFill>
+                <a:srgbClr val="660033"/>
+              </a:solidFill>
+              <a:latin typeface="微軟正黑體" pitchFamily="34" charset="-120"/>
+              <a:ea typeface="微軟正黑體" pitchFamily="34" charset="-120"/>
+            </a:endParaRPr>
+          </a:p>
+        </p:txBody>
+      </p:sp>
+      <p:sp>
+        <p:nvSpPr>
+          <p:cNvPr id="3" name="TextBox 2"/>
+          <p:cNvSpPr txBox="1"/>
+          <p:nvPr/>
+        </p:nvSpPr>
+        <p:spPr>
+          <a:xfrm>
+            <a:off x="0" y="5253203"/>
+            <a:ext cx="12192000" cy="830997"/>
+          </a:xfrm>
+          <a:prstGeom prst="rect">
+            <a:avLst/>
+          </a:prstGeom>
+          <a:noFill/>
+        </p:spPr>
+        <p:txBody>
+          <a:bodyPr wrap="square" rtlCol="0">
+            <a:spAutoFit/>
+          </a:bodyPr>
+          <a:lstStyle/>
+          <a:p>
+            <a:pPr algn="ctr"/>
+            <a:r>
+              <a:rPr lang="en-US" sz="4800" b="1" dirty="0">
+                <a:solidFill>
+                  <a:srgbClr val="660033"/>
+                </a:solidFill>
+              </a:rPr>
+              <a:t>( 4 )</a:t>
+            </a:r>
+            <a:endParaRPr lang="vi-VN" sz="4800" b="1" dirty="0">
+              <a:solidFill>
+                <a:srgbClr val="660033"/>
+              </a:solidFill>
+            </a:endParaRPr>
+          </a:p>
+        </p:txBody>
+      </p:sp>
+    </p:spTree>
+    <p:extLst>
+      <p:ext uri="{BB962C8B-B14F-4D97-AF65-F5344CB8AC3E}">
+        <p14:creationId xmlns:p14="http://schemas.microsoft.com/office/powerpoint/2010/main" val="3991158664"/>
+      </p:ext>
+    </p:extLst>
+  </p:cSld>
+  <p:clrMapOvr>
+    <a:masterClrMapping/>
+  </p:clrMapOvr>
+  <p:timing>
+    <p:tnLst>
+      <p:par>
+        <p:cTn id="1" dur="indefinite" restart="never" nodeType="tmRoot"/>
+      </p:par>
+    </p:tnLst>
+  </p:timing>
+</p:sld>
+</file>
+
+<file path=ppt/slides/slide13.xml><?xml version="1.0" encoding="utf-8"?>
+<p:sld xmlns:a="http://schemas.openxmlformats.org/drawingml/2006/main" xmlns:r="http://schemas.openxmlformats.org/officeDocument/2006/relationships" xmlns:p="http://schemas.openxmlformats.org/presentationml/2006/main">
+  <p:cSld>
+    <p:spTree>
+      <p:nvGrpSpPr>
+        <p:cNvPr id="1" name=""/>
+        <p:cNvGrpSpPr/>
+        <p:nvPr/>
+      </p:nvGrpSpPr>
+      <p:grpSpPr>
+        <a:xfrm>
+          <a:off x="0" y="0"/>
+          <a:ext cx="0" cy="0"/>
+          <a:chOff x="0" y="0"/>
+          <a:chExt cx="0" cy="0"/>
+        </a:xfrm>
+      </p:grpSpPr>
+      <p:sp>
+        <p:nvSpPr>
+          <p:cNvPr id="5" name="內容版面配置區 4"/>
+          <p:cNvSpPr>
+            <a:spLocks noGrp="1"/>
+          </p:cNvSpPr>
+          <p:nvPr>
+            <p:ph idx="1"/>
+          </p:nvPr>
+        </p:nvSpPr>
+        <p:spPr>
+          <a:xfrm>
+            <a:off x="0" y="2084851"/>
+            <a:ext cx="12192000" cy="2404863"/>
+          </a:xfrm>
+        </p:spPr>
+        <p:txBody>
+          <a:bodyPr anchor="ctr">
+            <a:normAutofit/>
+          </a:bodyPr>
+          <a:lstStyle/>
+          <a:p>
+            <a:pPr algn="ctr">
+              <a:buNone/>
+            </a:pPr>
+            <a:r>
+              <a:rPr lang="zh-CN" altLang="en-US" sz="6400" b="1" dirty="0">
+                <a:solidFill>
+                  <a:srgbClr val="660033"/>
+                </a:solidFill>
+                <a:latin typeface="微軟正黑體" pitchFamily="34" charset="-120"/>
+                <a:ea typeface="微軟正黑體" pitchFamily="34" charset="-120"/>
+              </a:rPr>
+              <a:t>跟隨主  跟隨主</a:t>
+            </a:r>
+            <a:r>
+              <a:rPr lang="en-US" altLang="zh-CN" sz="6400" b="1" dirty="0">
+                <a:solidFill>
+                  <a:srgbClr val="660033"/>
+                </a:solidFill>
+                <a:latin typeface="微軟正黑體" pitchFamily="34" charset="-120"/>
+                <a:ea typeface="微軟正黑體" pitchFamily="34" charset="-120"/>
+              </a:rPr>
+              <a:t>  </a:t>
+            </a:r>
+            <a:r>
+              <a:rPr lang="zh-CN" altLang="en-US" sz="6400" b="1" dirty="0">
+                <a:solidFill>
+                  <a:srgbClr val="660033"/>
+                </a:solidFill>
+                <a:latin typeface="微軟正黑體" pitchFamily="34" charset="-120"/>
+                <a:ea typeface="微軟正黑體" pitchFamily="34" charset="-120"/>
+              </a:rPr>
+              <a:t>步步願跟耶穌</a:t>
+            </a:r>
+            <a:endParaRPr lang="en-US" altLang="zh-CN" sz="6400" b="1" dirty="0">
+              <a:solidFill>
+                <a:srgbClr val="660033"/>
+              </a:solidFill>
+              <a:latin typeface="微軟正黑體" pitchFamily="34" charset="-120"/>
+              <a:ea typeface="微軟正黑體" pitchFamily="34" charset="-120"/>
+            </a:endParaRPr>
+          </a:p>
+          <a:p>
+            <a:pPr algn="ctr">
+              <a:buNone/>
+            </a:pPr>
+            <a:r>
+              <a:rPr lang="zh-CN" altLang="en-US" sz="6400" b="1" dirty="0">
+                <a:solidFill>
+                  <a:srgbClr val="660033"/>
+                </a:solidFill>
+                <a:latin typeface="微軟正黑體" pitchFamily="34" charset="-120"/>
+                <a:ea typeface="微軟正黑體" pitchFamily="34" charset="-120"/>
+              </a:rPr>
+              <a:t>日日走  總跟從</a:t>
+            </a:r>
+            <a:r>
+              <a:rPr lang="en-US" altLang="zh-CN" sz="6400" b="1" dirty="0">
+                <a:solidFill>
+                  <a:srgbClr val="660033"/>
+                </a:solidFill>
+                <a:latin typeface="微軟正黑體" pitchFamily="34" charset="-120"/>
+                <a:ea typeface="微軟正黑體" pitchFamily="34" charset="-120"/>
+              </a:rPr>
+              <a:t>  </a:t>
+            </a:r>
+            <a:r>
+              <a:rPr lang="zh-CN" altLang="en-US" sz="6400" b="1" dirty="0">
+                <a:solidFill>
+                  <a:srgbClr val="660033"/>
+                </a:solidFill>
+                <a:latin typeface="微軟正黑體" pitchFamily="34" charset="-120"/>
+                <a:ea typeface="微軟正黑體" pitchFamily="34" charset="-120"/>
+              </a:rPr>
+              <a:t>步步跟從耶穌</a:t>
+            </a:r>
+            <a:endParaRPr lang="zh-TW" altLang="en-US" sz="6400" b="1" dirty="0">
+              <a:solidFill>
+                <a:srgbClr val="660033"/>
+              </a:solidFill>
+              <a:latin typeface="微軟正黑體" pitchFamily="34" charset="-120"/>
+              <a:ea typeface="微軟正黑體" pitchFamily="34" charset="-120"/>
+            </a:endParaRPr>
+          </a:p>
+        </p:txBody>
+      </p:sp>
+    </p:spTree>
+    <p:extLst>
+      <p:ext uri="{BB962C8B-B14F-4D97-AF65-F5344CB8AC3E}">
+        <p14:creationId xmlns:p14="http://schemas.microsoft.com/office/powerpoint/2010/main" val="2021378110"/>
+      </p:ext>
+    </p:extLst>
+  </p:cSld>
+  <p:clrMapOvr>
+    <a:masterClrMapping/>
+  </p:clrMapOvr>
+  <p:timing>
+    <p:tnLst>
+      <p:par>
+        <p:cTn id="1" dur="indefinite" restart="never" nodeType="tmRoot"/>
+      </p:par>
+    </p:tnLst>
+  </p:timing>
 </p:sld>
 </file>
 
@@ -3273,150 +3825,127 @@
       </p:grpSpPr>
       <p:sp>
         <p:nvSpPr>
-          <p:cNvPr id="4" name="標題 3"/>
-          <p:cNvSpPr>
-            <a:spLocks noGrp="1"/>
-          </p:cNvSpPr>
-          <p:nvPr>
-            <p:ph type="title"/>
-          </p:nvPr>
-        </p:nvSpPr>
-        <p:spPr/>
-        <p:txBody>
-          <a:bodyPr/>
-          <a:lstStyle/>
-          <a:p>
-            <a:r>
-              <a:rPr lang="zh-CN" altLang="en-US" b="1" dirty="0" smtClean="0">
-                <a:solidFill>
-                  <a:srgbClr val="000066"/>
+          <p:cNvPr id="5" name="內容版面配置區 4"/>
+          <p:cNvSpPr>
+            <a:spLocks noGrp="1"/>
+          </p:cNvSpPr>
+          <p:nvPr>
+            <p:ph idx="1"/>
+          </p:nvPr>
+        </p:nvSpPr>
+        <p:spPr>
+          <a:xfrm>
+            <a:off x="0" y="2084851"/>
+            <a:ext cx="12192000" cy="2404863"/>
+          </a:xfrm>
+        </p:spPr>
+        <p:txBody>
+          <a:bodyPr anchor="ctr">
+            <a:normAutofit/>
+          </a:bodyPr>
+          <a:lstStyle/>
+          <a:p>
+            <a:pPr algn="ctr">
+              <a:buNone/>
+            </a:pPr>
+            <a:r>
+              <a:rPr lang="zh-CN" altLang="en-US" sz="6400" b="1" dirty="0">
+                <a:solidFill>
+                  <a:srgbClr val="660033"/>
                 </a:solidFill>
                 <a:latin typeface="微軟正黑體" pitchFamily="34" charset="-120"/>
                 <a:ea typeface="微軟正黑體" pitchFamily="34" charset="-120"/>
               </a:rPr>
-              <a:t>跟從主</a:t>
-            </a:r>
-            <a:endParaRPr lang="zh-TW" altLang="en-US" b="1" dirty="0">
+              <a:t>與神同行情意何佳美</a:t>
+            </a:r>
+            <a:endParaRPr lang="en-US" altLang="zh-CN" sz="6400" b="1" dirty="0">
               <a:solidFill>
-                <a:srgbClr val="000066"/>
+                <a:srgbClr val="660033"/>
               </a:solidFill>
               <a:latin typeface="微軟正黑體" pitchFamily="34" charset="-120"/>
               <a:ea typeface="微軟正黑體" pitchFamily="34" charset="-120"/>
             </a:endParaRPr>
           </a:p>
-        </p:txBody>
-      </p:sp>
-      <p:sp>
-        <p:nvSpPr>
-          <p:cNvPr id="5" name="內容版面配置區 4"/>
-          <p:cNvSpPr>
-            <a:spLocks noGrp="1"/>
-          </p:cNvSpPr>
-          <p:nvPr>
-            <p:ph idx="1"/>
-          </p:nvPr>
-        </p:nvSpPr>
-        <p:spPr/>
-        <p:txBody>
-          <a:bodyPr>
-            <a:normAutofit/>
-          </a:bodyPr>
-          <a:lstStyle/>
           <a:p>
             <a:pPr algn="ctr">
               <a:buNone/>
             </a:pPr>
             <a:r>
-              <a:rPr lang="zh-CN" altLang="en-US" sz="5400" b="1" dirty="0">
-                <a:solidFill>
-                  <a:srgbClr val="000066"/>
+              <a:rPr lang="zh-CN" altLang="en-US" sz="6400" b="1" dirty="0">
+                <a:solidFill>
+                  <a:srgbClr val="660033"/>
                 </a:solidFill>
                 <a:latin typeface="微軟正黑體" pitchFamily="34" charset="-120"/>
                 <a:ea typeface="微軟正黑體" pitchFamily="34" charset="-120"/>
               </a:rPr>
-              <a:t>跟隨主  跟隨主</a:t>
-            </a:r>
-            <a:endParaRPr lang="en-US" altLang="zh-CN" sz="5400" b="1" dirty="0">
+              <a:t>步步進日日跟隨</a:t>
+            </a:r>
+            <a:endParaRPr lang="en-US" altLang="zh-CN" sz="6400" b="1" dirty="0">
               <a:solidFill>
-                <a:srgbClr val="000066"/>
+                <a:srgbClr val="660033"/>
               </a:solidFill>
               <a:latin typeface="微軟正黑體" pitchFamily="34" charset="-120"/>
               <a:ea typeface="微軟正黑體" pitchFamily="34" charset="-120"/>
             </a:endParaRPr>
           </a:p>
-          <a:p>
-            <a:pPr algn="ctr">
-              <a:buNone/>
-            </a:pPr>
-            <a:r>
-              <a:rPr lang="zh-CN" altLang="en-US" sz="5400" b="1" dirty="0">
-                <a:solidFill>
-                  <a:srgbClr val="000066"/>
-                </a:solidFill>
-                <a:latin typeface="微軟正黑體" pitchFamily="34" charset="-120"/>
-                <a:ea typeface="微軟正黑體" pitchFamily="34" charset="-120"/>
-              </a:rPr>
-              <a:t>步步願跟耶穌</a:t>
-            </a:r>
-            <a:endParaRPr lang="en-US" altLang="zh-CN" sz="5400" b="1" dirty="0">
+        </p:txBody>
+      </p:sp>
+      <p:sp>
+        <p:nvSpPr>
+          <p:cNvPr id="3" name="TextBox 2"/>
+          <p:cNvSpPr txBox="1"/>
+          <p:nvPr/>
+        </p:nvSpPr>
+        <p:spPr>
+          <a:xfrm>
+            <a:off x="0" y="5253203"/>
+            <a:ext cx="12192000" cy="830997"/>
+          </a:xfrm>
+          <a:prstGeom prst="rect">
+            <a:avLst/>
+          </a:prstGeom>
+          <a:noFill/>
+        </p:spPr>
+        <p:txBody>
+          <a:bodyPr wrap="square" rtlCol="0">
+            <a:spAutoFit/>
+          </a:bodyPr>
+          <a:lstStyle/>
+          <a:p>
+            <a:pPr algn="ctr"/>
+            <a:r>
+              <a:rPr lang="en-US" sz="4800" b="1" dirty="0">
+                <a:solidFill>
+                  <a:srgbClr val="660033"/>
+                </a:solidFill>
+              </a:rPr>
+              <a:t>( 1 )</a:t>
+            </a:r>
+            <a:endParaRPr lang="vi-VN" sz="4800" b="1" dirty="0">
               <a:solidFill>
-                <a:srgbClr val="000066"/>
+                <a:srgbClr val="660033"/>
               </a:solidFill>
-              <a:latin typeface="微軟正黑體" pitchFamily="34" charset="-120"/>
-              <a:ea typeface="微軟正黑體" pitchFamily="34" charset="-120"/>
             </a:endParaRPr>
           </a:p>
-          <a:p>
-            <a:pPr algn="ctr">
-              <a:buNone/>
-            </a:pPr>
-            <a:r>
-              <a:rPr lang="zh-CN" altLang="en-US" sz="5400" b="1" dirty="0">
-                <a:solidFill>
-                  <a:srgbClr val="000066"/>
-                </a:solidFill>
-                <a:latin typeface="微軟正黑體" pitchFamily="34" charset="-120"/>
-                <a:ea typeface="微軟正黑體" pitchFamily="34" charset="-120"/>
-              </a:rPr>
-              <a:t>日日走  總跟從</a:t>
-            </a:r>
-            <a:endParaRPr lang="en-US" altLang="zh-CN" sz="5400" b="1" dirty="0">
-              <a:solidFill>
-                <a:srgbClr val="000066"/>
-              </a:solidFill>
-              <a:latin typeface="微軟正黑體" pitchFamily="34" charset="-120"/>
-              <a:ea typeface="微軟正黑體" pitchFamily="34" charset="-120"/>
-            </a:endParaRPr>
-          </a:p>
-          <a:p>
-            <a:pPr algn="ctr">
-              <a:buNone/>
-            </a:pPr>
-            <a:r>
-              <a:rPr lang="zh-CN" altLang="en-US" sz="5400" b="1" dirty="0">
-                <a:solidFill>
-                  <a:srgbClr val="000066"/>
-                </a:solidFill>
-                <a:latin typeface="微軟正黑體" pitchFamily="34" charset="-120"/>
-                <a:ea typeface="微軟正黑體" pitchFamily="34" charset="-120"/>
-              </a:rPr>
-              <a:t>步步跟從耶穌</a:t>
-            </a:r>
-            <a:endParaRPr lang="zh-TW" altLang="en-US" sz="5400" b="1" dirty="0">
-              <a:solidFill>
-                <a:srgbClr val="000066"/>
-              </a:solidFill>
-              <a:latin typeface="微軟正黑體" pitchFamily="34" charset="-120"/>
-              <a:ea typeface="微軟正黑體" pitchFamily="34" charset="-120"/>
-            </a:endParaRPr>
-          </a:p>
         </p:txBody>
       </p:sp>
     </p:spTree>
+    <p:extLst>
+      <p:ext uri="{BB962C8B-B14F-4D97-AF65-F5344CB8AC3E}">
+        <p14:creationId xmlns:p14="http://schemas.microsoft.com/office/powerpoint/2010/main" val="777799586"/>
+      </p:ext>
+    </p:extLst>
   </p:cSld>
   <p:clrMapOvr>
     <a:masterClrMapping/>
   </p:clrMapOvr>
+  <p:timing>
+    <p:tnLst>
+      <p:par>
+        <p:cTn id="1" dur="indefinite" restart="never" nodeType="tmRoot"/>
+      </p:par>
+    </p:tnLst>
+  </p:timing>
 </p:sld>
 </file>
 
@@ -3439,155 +3968,81 @@
       </p:grpSpPr>
       <p:sp>
         <p:nvSpPr>
-          <p:cNvPr id="4" name="標題 3"/>
-          <p:cNvSpPr>
-            <a:spLocks noGrp="1"/>
-          </p:cNvSpPr>
-          <p:nvPr>
-            <p:ph type="title"/>
-          </p:nvPr>
-        </p:nvSpPr>
-        <p:spPr/>
-        <p:txBody>
-          <a:bodyPr/>
-          <a:lstStyle/>
-          <a:p>
-            <a:r>
-              <a:rPr lang="zh-CN" altLang="en-US" b="1" dirty="0" smtClean="0">
-                <a:solidFill>
-                  <a:srgbClr val="000066"/>
+          <p:cNvPr id="5" name="內容版面配置區 4"/>
+          <p:cNvSpPr>
+            <a:spLocks noGrp="1"/>
+          </p:cNvSpPr>
+          <p:nvPr>
+            <p:ph idx="1"/>
+          </p:nvPr>
+        </p:nvSpPr>
+        <p:spPr>
+          <a:xfrm>
+            <a:off x="0" y="2084851"/>
+            <a:ext cx="12192000" cy="2404863"/>
+          </a:xfrm>
+        </p:spPr>
+        <p:txBody>
+          <a:bodyPr anchor="ctr">
+            <a:normAutofit/>
+          </a:bodyPr>
+          <a:lstStyle/>
+          <a:p>
+            <a:pPr algn="ctr">
+              <a:buNone/>
+            </a:pPr>
+            <a:r>
+              <a:rPr lang="zh-CN" altLang="en-US" sz="6400" b="1" dirty="0">
+                <a:solidFill>
+                  <a:srgbClr val="660033"/>
                 </a:solidFill>
                 <a:latin typeface="微軟正黑體" pitchFamily="34" charset="-120"/>
                 <a:ea typeface="微軟正黑體" pitchFamily="34" charset="-120"/>
               </a:rPr>
-              <a:t>跟從主</a:t>
-            </a:r>
-            <a:endParaRPr lang="zh-TW" altLang="en-US" b="1" dirty="0">
+              <a:t>救主腳蹤步步要跟從</a:t>
+            </a:r>
+            <a:endParaRPr lang="en-US" altLang="zh-CN" sz="6400" b="1" dirty="0">
               <a:solidFill>
-                <a:srgbClr val="000066"/>
+                <a:srgbClr val="660033"/>
               </a:solidFill>
               <a:latin typeface="微軟正黑體" pitchFamily="34" charset="-120"/>
               <a:ea typeface="微軟正黑體" pitchFamily="34" charset="-120"/>
             </a:endParaRPr>
           </a:p>
-        </p:txBody>
-      </p:sp>
-      <p:sp>
-        <p:nvSpPr>
-          <p:cNvPr id="5" name="內容版面配置區 4"/>
-          <p:cNvSpPr>
-            <a:spLocks noGrp="1"/>
-          </p:cNvSpPr>
-          <p:nvPr>
-            <p:ph idx="1"/>
-          </p:nvPr>
-        </p:nvSpPr>
-        <p:spPr/>
-        <p:txBody>
-          <a:bodyPr>
-            <a:normAutofit/>
-          </a:bodyPr>
-          <a:lstStyle/>
           <a:p>
             <a:pPr algn="ctr">
               <a:buNone/>
             </a:pPr>
             <a:r>
-              <a:rPr lang="zh-CN" altLang="en-US" sz="5400" b="1" dirty="0">
-                <a:solidFill>
-                  <a:srgbClr val="000066"/>
+              <a:rPr lang="zh-CN" altLang="en-US" sz="6400" b="1" dirty="0">
+                <a:solidFill>
+                  <a:srgbClr val="660033"/>
                 </a:solidFill>
                 <a:latin typeface="微軟正黑體" pitchFamily="34" charset="-120"/>
                 <a:ea typeface="微軟正黑體" pitchFamily="34" charset="-120"/>
               </a:rPr>
-              <a:t>與主同行身心蒙福庇</a:t>
-            </a:r>
-            <a:endParaRPr lang="en-US" altLang="zh-CN" sz="5400" b="1" dirty="0">
+              <a:t>跟從耶穌直到終</a:t>
+            </a:r>
+            <a:endParaRPr lang="en-US" altLang="zh-CN" sz="6400" b="1" dirty="0">
               <a:solidFill>
-                <a:srgbClr val="000066"/>
+                <a:srgbClr val="660033"/>
               </a:solidFill>
               <a:latin typeface="微軟正黑體" pitchFamily="34" charset="-120"/>
               <a:ea typeface="微軟正黑體" pitchFamily="34" charset="-120"/>
             </a:endParaRPr>
           </a:p>
-          <a:p>
-            <a:pPr algn="ctr">
-              <a:buNone/>
-            </a:pPr>
-            <a:r>
-              <a:rPr lang="zh-CN" altLang="en-US" sz="5400" b="1" dirty="0">
-                <a:solidFill>
-                  <a:srgbClr val="000066"/>
-                </a:solidFill>
-                <a:latin typeface="微軟正黑體" pitchFamily="34" charset="-120"/>
-                <a:ea typeface="微軟正黑體" pitchFamily="34" charset="-120"/>
-              </a:rPr>
-              <a:t>安舒在主大膀臂</a:t>
-            </a:r>
-            <a:endParaRPr lang="en-US" altLang="zh-CN" sz="5400" b="1" dirty="0">
-              <a:solidFill>
-                <a:srgbClr val="000066"/>
-              </a:solidFill>
-              <a:latin typeface="微軟正黑體" pitchFamily="34" charset="-120"/>
-              <a:ea typeface="微軟正黑體" pitchFamily="34" charset="-120"/>
-            </a:endParaRPr>
-          </a:p>
-          <a:p>
-            <a:pPr algn="ctr">
-              <a:buNone/>
-            </a:pPr>
-            <a:r>
-              <a:rPr lang="zh-CN" altLang="en-US" sz="5400" b="1" dirty="0">
-                <a:solidFill>
-                  <a:srgbClr val="000066"/>
-                </a:solidFill>
-                <a:latin typeface="微軟正黑體" pitchFamily="34" charset="-120"/>
-                <a:ea typeface="微軟正黑體" pitchFamily="34" charset="-120"/>
-              </a:rPr>
-              <a:t>主領何往我必要跟從</a:t>
-            </a:r>
-            <a:endParaRPr lang="en-US" altLang="zh-CN" sz="5400" b="1" dirty="0">
-              <a:solidFill>
-                <a:srgbClr val="000066"/>
-              </a:solidFill>
-              <a:latin typeface="微軟正黑體" pitchFamily="34" charset="-120"/>
-              <a:ea typeface="微軟正黑體" pitchFamily="34" charset="-120"/>
-            </a:endParaRPr>
-          </a:p>
-          <a:p>
-            <a:pPr algn="ctr">
-              <a:buNone/>
-            </a:pPr>
-            <a:r>
-              <a:rPr lang="zh-CN" altLang="en-US" sz="5400" b="1" dirty="0">
-                <a:solidFill>
-                  <a:srgbClr val="000066"/>
-                </a:solidFill>
-                <a:latin typeface="微軟正黑體" pitchFamily="34" charset="-120"/>
-                <a:ea typeface="微軟正黑體" pitchFamily="34" charset="-120"/>
-              </a:rPr>
-              <a:t>無災害亦無傷痛</a:t>
-            </a:r>
-            <a:endParaRPr lang="zh-TW" altLang="en-US" sz="5400" b="1" dirty="0">
-              <a:solidFill>
-                <a:srgbClr val="000066"/>
-              </a:solidFill>
-              <a:latin typeface="微軟正黑體" pitchFamily="34" charset="-120"/>
-              <a:ea typeface="微軟正黑體" pitchFamily="34" charset="-120"/>
-            </a:endParaRPr>
-          </a:p>
-        </p:txBody>
-      </p:sp>
-      <p:sp>
-        <p:nvSpPr>
-          <p:cNvPr id="6" name="TextBox 5"/>
+        </p:txBody>
+      </p:sp>
+      <p:sp>
+        <p:nvSpPr>
+          <p:cNvPr id="3" name="TextBox 2"/>
           <p:cNvSpPr txBox="1"/>
           <p:nvPr/>
         </p:nvSpPr>
         <p:spPr>
           <a:xfrm>
-            <a:off x="839416" y="1700808"/>
-            <a:ext cx="1008112" cy="923330"/>
+            <a:off x="0" y="5253203"/>
+            <a:ext cx="12192000" cy="830997"/>
           </a:xfrm>
           <a:prstGeom prst="rect">
             <a:avLst/>
@@ -3600,35 +4055,40 @@
           </a:bodyPr>
           <a:lstStyle/>
           <a:p>
-            <a:r>
-              <a:rPr lang="en-US" sz="5400" b="1" dirty="0">
-                <a:solidFill>
-                  <a:srgbClr val="000066"/>
-                </a:solidFill>
-              </a:rPr>
-              <a:t>2</a:t>
-            </a:r>
-            <a:r>
-              <a:rPr lang="en-US" sz="5400" b="1" dirty="0" smtClean="0">
-                <a:solidFill>
-                  <a:srgbClr val="000066"/>
-                </a:solidFill>
-              </a:rPr>
-              <a:t>.</a:t>
-            </a:r>
-            <a:endParaRPr lang="vi-VN" sz="5400" b="1" dirty="0">
+            <a:pPr algn="ctr"/>
+            <a:r>
+              <a:rPr lang="en-US" sz="4800" b="1" dirty="0">
+                <a:solidFill>
+                  <a:srgbClr val="660033"/>
+                </a:solidFill>
+              </a:rPr>
+              <a:t>( 1 )</a:t>
+            </a:r>
+            <a:endParaRPr lang="vi-VN" sz="4800" b="1" dirty="0">
               <a:solidFill>
-                <a:srgbClr val="000066"/>
+                <a:srgbClr val="660033"/>
               </a:solidFill>
             </a:endParaRPr>
           </a:p>
         </p:txBody>
       </p:sp>
     </p:spTree>
+    <p:extLst>
+      <p:ext uri="{BB962C8B-B14F-4D97-AF65-F5344CB8AC3E}">
+        <p14:creationId xmlns:p14="http://schemas.microsoft.com/office/powerpoint/2010/main" val="3977236373"/>
+      </p:ext>
+    </p:extLst>
   </p:cSld>
   <p:clrMapOvr>
     <a:masterClrMapping/>
   </p:clrMapOvr>
+  <p:timing>
+    <p:tnLst>
+      <p:par>
+        <p:cTn id="1" dur="indefinite" restart="never" nodeType="tmRoot"/>
+      </p:par>
+    </p:tnLst>
+  </p:timing>
 </p:sld>
 </file>
 
@@ -3651,150 +4111,128 @@
       </p:grpSpPr>
       <p:sp>
         <p:nvSpPr>
-          <p:cNvPr id="4" name="標題 3"/>
-          <p:cNvSpPr>
-            <a:spLocks noGrp="1"/>
-          </p:cNvSpPr>
-          <p:nvPr>
-            <p:ph type="title"/>
-          </p:nvPr>
-        </p:nvSpPr>
-        <p:spPr/>
-        <p:txBody>
-          <a:bodyPr/>
-          <a:lstStyle/>
-          <a:p>
-            <a:r>
-              <a:rPr lang="zh-CN" altLang="en-US" b="1" dirty="0" smtClean="0">
-                <a:solidFill>
-                  <a:srgbClr val="000066"/>
+          <p:cNvPr id="5" name="內容版面配置區 4"/>
+          <p:cNvSpPr>
+            <a:spLocks noGrp="1"/>
+          </p:cNvSpPr>
+          <p:nvPr>
+            <p:ph idx="1"/>
+          </p:nvPr>
+        </p:nvSpPr>
+        <p:spPr>
+          <a:xfrm>
+            <a:off x="0" y="2084851"/>
+            <a:ext cx="12192000" cy="2404863"/>
+          </a:xfrm>
+        </p:spPr>
+        <p:txBody>
+          <a:bodyPr anchor="ctr">
+            <a:normAutofit/>
+          </a:bodyPr>
+          <a:lstStyle/>
+          <a:p>
+            <a:pPr algn="ctr">
+              <a:buNone/>
+            </a:pPr>
+            <a:r>
+              <a:rPr lang="zh-CN" altLang="en-US" sz="6400" b="1" dirty="0">
+                <a:solidFill>
+                  <a:srgbClr val="660033"/>
                 </a:solidFill>
                 <a:latin typeface="微軟正黑體" pitchFamily="34" charset="-120"/>
                 <a:ea typeface="微軟正黑體" pitchFamily="34" charset="-120"/>
               </a:rPr>
-              <a:t>跟從主</a:t>
-            </a:r>
-            <a:endParaRPr lang="zh-TW" altLang="en-US" b="1" dirty="0">
+              <a:t>跟隨主  跟隨主</a:t>
+            </a:r>
+            <a:r>
+              <a:rPr lang="en-US" altLang="zh-CN" sz="6400" b="1" dirty="0">
+                <a:solidFill>
+                  <a:srgbClr val="660033"/>
+                </a:solidFill>
+                <a:latin typeface="微軟正黑體" pitchFamily="34" charset="-120"/>
+                <a:ea typeface="微軟正黑體" pitchFamily="34" charset="-120"/>
+              </a:rPr>
+              <a:t>  </a:t>
+            </a:r>
+            <a:r>
+              <a:rPr lang="zh-CN" altLang="en-US" sz="6400" b="1" dirty="0">
+                <a:solidFill>
+                  <a:srgbClr val="660033"/>
+                </a:solidFill>
+                <a:latin typeface="微軟正黑體" pitchFamily="34" charset="-120"/>
+                <a:ea typeface="微軟正黑體" pitchFamily="34" charset="-120"/>
+              </a:rPr>
+              <a:t>步步願跟耶穌</a:t>
+            </a:r>
+            <a:endParaRPr lang="en-US" altLang="zh-CN" sz="6400" b="1" dirty="0">
               <a:solidFill>
-                <a:srgbClr val="000066"/>
+                <a:srgbClr val="660033"/>
               </a:solidFill>
               <a:latin typeface="微軟正黑體" pitchFamily="34" charset="-120"/>
               <a:ea typeface="微軟正黑體" pitchFamily="34" charset="-120"/>
             </a:endParaRPr>
           </a:p>
-        </p:txBody>
-      </p:sp>
-      <p:sp>
-        <p:nvSpPr>
-          <p:cNvPr id="5" name="內容版面配置區 4"/>
-          <p:cNvSpPr>
-            <a:spLocks noGrp="1"/>
-          </p:cNvSpPr>
-          <p:nvPr>
-            <p:ph idx="1"/>
-          </p:nvPr>
-        </p:nvSpPr>
-        <p:spPr/>
-        <p:txBody>
-          <a:bodyPr>
-            <a:normAutofit/>
-          </a:bodyPr>
-          <a:lstStyle/>
           <a:p>
             <a:pPr algn="ctr">
               <a:buNone/>
             </a:pPr>
             <a:r>
-              <a:rPr lang="zh-CN" altLang="en-US" sz="5400" b="1" dirty="0">
-                <a:solidFill>
-                  <a:srgbClr val="000066"/>
+              <a:rPr lang="zh-CN" altLang="en-US" sz="6400" b="1" dirty="0">
+                <a:solidFill>
+                  <a:srgbClr val="660033"/>
                 </a:solidFill>
                 <a:latin typeface="微軟正黑體" pitchFamily="34" charset="-120"/>
                 <a:ea typeface="微軟正黑體" pitchFamily="34" charset="-120"/>
               </a:rPr>
-              <a:t>跟隨主  跟隨主</a:t>
-            </a:r>
-            <a:endParaRPr lang="en-US" altLang="zh-CN" sz="5400" b="1" dirty="0">
+              <a:t>日日走  總跟從</a:t>
+            </a:r>
+            <a:r>
+              <a:rPr lang="en-US" altLang="zh-CN" sz="6400" b="1" dirty="0">
+                <a:solidFill>
+                  <a:srgbClr val="660033"/>
+                </a:solidFill>
+                <a:latin typeface="微軟正黑體" pitchFamily="34" charset="-120"/>
+                <a:ea typeface="微軟正黑體" pitchFamily="34" charset="-120"/>
+              </a:rPr>
+              <a:t>  </a:t>
+            </a:r>
+            <a:r>
+              <a:rPr lang="zh-CN" altLang="en-US" sz="6400" b="1" dirty="0">
+                <a:solidFill>
+                  <a:srgbClr val="660033"/>
+                </a:solidFill>
+                <a:latin typeface="微軟正黑體" pitchFamily="34" charset="-120"/>
+                <a:ea typeface="微軟正黑體" pitchFamily="34" charset="-120"/>
+              </a:rPr>
+              <a:t>步步跟從耶穌</a:t>
+            </a:r>
+            <a:endParaRPr lang="zh-TW" altLang="en-US" sz="6400" b="1" dirty="0">
               <a:solidFill>
-                <a:srgbClr val="000066"/>
+                <a:srgbClr val="660033"/>
               </a:solidFill>
               <a:latin typeface="微軟正黑體" pitchFamily="34" charset="-120"/>
               <a:ea typeface="微軟正黑體" pitchFamily="34" charset="-120"/>
             </a:endParaRPr>
           </a:p>
-          <a:p>
-            <a:pPr algn="ctr">
-              <a:buNone/>
-            </a:pPr>
-            <a:r>
-              <a:rPr lang="zh-CN" altLang="en-US" sz="5400" b="1" dirty="0">
-                <a:solidFill>
-                  <a:srgbClr val="000066"/>
-                </a:solidFill>
-                <a:latin typeface="微軟正黑體" pitchFamily="34" charset="-120"/>
-                <a:ea typeface="微軟正黑體" pitchFamily="34" charset="-120"/>
-              </a:rPr>
-              <a:t>步步願跟耶穌</a:t>
-            </a:r>
-            <a:endParaRPr lang="en-US" altLang="zh-CN" sz="5400" b="1" dirty="0">
-              <a:solidFill>
-                <a:srgbClr val="000066"/>
-              </a:solidFill>
-              <a:latin typeface="微軟正黑體" pitchFamily="34" charset="-120"/>
-              <a:ea typeface="微軟正黑體" pitchFamily="34" charset="-120"/>
-            </a:endParaRPr>
-          </a:p>
-          <a:p>
-            <a:pPr algn="ctr">
-              <a:buNone/>
-            </a:pPr>
-            <a:r>
-              <a:rPr lang="zh-CN" altLang="en-US" sz="5400" b="1" dirty="0">
-                <a:solidFill>
-                  <a:srgbClr val="000066"/>
-                </a:solidFill>
-                <a:latin typeface="微軟正黑體" pitchFamily="34" charset="-120"/>
-                <a:ea typeface="微軟正黑體" pitchFamily="34" charset="-120"/>
-              </a:rPr>
-              <a:t>日日走  總跟從</a:t>
-            </a:r>
-            <a:endParaRPr lang="en-US" altLang="zh-CN" sz="5400" b="1" dirty="0">
-              <a:solidFill>
-                <a:srgbClr val="000066"/>
-              </a:solidFill>
-              <a:latin typeface="微軟正黑體" pitchFamily="34" charset="-120"/>
-              <a:ea typeface="微軟正黑體" pitchFamily="34" charset="-120"/>
-            </a:endParaRPr>
-          </a:p>
-          <a:p>
-            <a:pPr algn="ctr">
-              <a:buNone/>
-            </a:pPr>
-            <a:r>
-              <a:rPr lang="zh-CN" altLang="en-US" sz="5400" b="1" dirty="0">
-                <a:solidFill>
-                  <a:srgbClr val="000066"/>
-                </a:solidFill>
-                <a:latin typeface="微軟正黑體" pitchFamily="34" charset="-120"/>
-                <a:ea typeface="微軟正黑體" pitchFamily="34" charset="-120"/>
-              </a:rPr>
-              <a:t>步步跟從耶穌</a:t>
-            </a:r>
-            <a:endParaRPr lang="zh-TW" altLang="en-US" sz="5400" b="1" dirty="0">
-              <a:solidFill>
-                <a:srgbClr val="000066"/>
-              </a:solidFill>
-              <a:latin typeface="微軟正黑體" pitchFamily="34" charset="-120"/>
-              <a:ea typeface="微軟正黑體" pitchFamily="34" charset="-120"/>
-            </a:endParaRPr>
-          </a:p>
         </p:txBody>
       </p:sp>
     </p:spTree>
+    <p:extLst>
+      <p:ext uri="{BB962C8B-B14F-4D97-AF65-F5344CB8AC3E}">
+        <p14:creationId xmlns:p14="http://schemas.microsoft.com/office/powerpoint/2010/main" val="4097374971"/>
+      </p:ext>
+    </p:extLst>
   </p:cSld>
   <p:clrMapOvr>
     <a:masterClrMapping/>
   </p:clrMapOvr>
+  <p:timing>
+    <p:tnLst>
+      <p:par>
+        <p:cTn id="1" dur="indefinite" restart="never" nodeType="tmRoot"/>
+      </p:par>
+    </p:tnLst>
+  </p:timing>
 </p:sld>
 </file>
 
@@ -3817,155 +4255,81 @@
       </p:grpSpPr>
       <p:sp>
         <p:nvSpPr>
-          <p:cNvPr id="4" name="標題 3"/>
-          <p:cNvSpPr>
-            <a:spLocks noGrp="1"/>
-          </p:cNvSpPr>
-          <p:nvPr>
-            <p:ph type="title"/>
-          </p:nvPr>
-        </p:nvSpPr>
-        <p:spPr/>
-        <p:txBody>
-          <a:bodyPr/>
-          <a:lstStyle/>
-          <a:p>
-            <a:r>
-              <a:rPr lang="zh-CN" altLang="en-US" b="1" dirty="0" smtClean="0">
-                <a:solidFill>
-                  <a:srgbClr val="000066"/>
+          <p:cNvPr id="5" name="內容版面配置區 4"/>
+          <p:cNvSpPr>
+            <a:spLocks noGrp="1"/>
+          </p:cNvSpPr>
+          <p:nvPr>
+            <p:ph idx="1"/>
+          </p:nvPr>
+        </p:nvSpPr>
+        <p:spPr>
+          <a:xfrm>
+            <a:off x="0" y="2084851"/>
+            <a:ext cx="12192000" cy="2404863"/>
+          </a:xfrm>
+        </p:spPr>
+        <p:txBody>
+          <a:bodyPr anchor="ctr">
+            <a:normAutofit/>
+          </a:bodyPr>
+          <a:lstStyle/>
+          <a:p>
+            <a:pPr algn="ctr">
+              <a:buNone/>
+            </a:pPr>
+            <a:r>
+              <a:rPr lang="zh-CN" altLang="en-US" sz="6400" b="1" dirty="0">
+                <a:solidFill>
+                  <a:srgbClr val="660033"/>
                 </a:solidFill>
                 <a:latin typeface="微軟正黑體" pitchFamily="34" charset="-120"/>
                 <a:ea typeface="微軟正黑體" pitchFamily="34" charset="-120"/>
               </a:rPr>
-              <a:t>跟從主</a:t>
-            </a:r>
-            <a:endParaRPr lang="zh-TW" altLang="en-US" b="1" dirty="0">
+              <a:t>與主同行身心蒙福庇</a:t>
+            </a:r>
+            <a:endParaRPr lang="en-US" altLang="zh-CN" sz="6400" b="1" dirty="0">
               <a:solidFill>
-                <a:srgbClr val="000066"/>
+                <a:srgbClr val="660033"/>
               </a:solidFill>
               <a:latin typeface="微軟正黑體" pitchFamily="34" charset="-120"/>
               <a:ea typeface="微軟正黑體" pitchFamily="34" charset="-120"/>
             </a:endParaRPr>
           </a:p>
-        </p:txBody>
-      </p:sp>
-      <p:sp>
-        <p:nvSpPr>
-          <p:cNvPr id="5" name="內容版面配置區 4"/>
-          <p:cNvSpPr>
-            <a:spLocks noGrp="1"/>
-          </p:cNvSpPr>
-          <p:nvPr>
-            <p:ph idx="1"/>
-          </p:nvPr>
-        </p:nvSpPr>
-        <p:spPr/>
-        <p:txBody>
-          <a:bodyPr>
-            <a:normAutofit/>
-          </a:bodyPr>
-          <a:lstStyle/>
           <a:p>
             <a:pPr algn="ctr">
               <a:buNone/>
             </a:pPr>
             <a:r>
-              <a:rPr lang="zh-CN" altLang="en-US" sz="5400" b="1" dirty="0">
-                <a:solidFill>
-                  <a:srgbClr val="000066"/>
+              <a:rPr lang="zh-CN" altLang="en-US" sz="6400" b="1" dirty="0">
+                <a:solidFill>
+                  <a:srgbClr val="660033"/>
                 </a:solidFill>
                 <a:latin typeface="微軟正黑體" pitchFamily="34" charset="-120"/>
                 <a:ea typeface="微軟正黑體" pitchFamily="34" charset="-120"/>
               </a:rPr>
-              <a:t>一步一步要跟從耶穌</a:t>
-            </a:r>
-            <a:endParaRPr lang="en-US" altLang="zh-CN" sz="5400" b="1" dirty="0">
+              <a:t>安舒在主大膀臂</a:t>
+            </a:r>
+            <a:endParaRPr lang="en-US" altLang="zh-CN" sz="6400" b="1" dirty="0">
               <a:solidFill>
-                <a:srgbClr val="000066"/>
+                <a:srgbClr val="660033"/>
               </a:solidFill>
               <a:latin typeface="微軟正黑體" pitchFamily="34" charset="-120"/>
               <a:ea typeface="微軟正黑體" pitchFamily="34" charset="-120"/>
             </a:endParaRPr>
           </a:p>
-          <a:p>
-            <a:pPr algn="ctr">
-              <a:buNone/>
-            </a:pPr>
-            <a:r>
-              <a:rPr lang="zh-CN" altLang="en-US" sz="5400" b="1" dirty="0">
-                <a:solidFill>
-                  <a:srgbClr val="000066"/>
-                </a:solidFill>
-                <a:latin typeface="微軟正黑體" pitchFamily="34" charset="-120"/>
-                <a:ea typeface="微軟正黑體" pitchFamily="34" charset="-120"/>
-              </a:rPr>
-              <a:t>我時刻要跟從主</a:t>
-            </a:r>
-            <a:endParaRPr lang="en-US" altLang="zh-CN" sz="5400" b="1" dirty="0">
-              <a:solidFill>
-                <a:srgbClr val="000066"/>
-              </a:solidFill>
-              <a:latin typeface="微軟正黑體" pitchFamily="34" charset="-120"/>
-              <a:ea typeface="微軟正黑體" pitchFamily="34" charset="-120"/>
-            </a:endParaRPr>
-          </a:p>
-          <a:p>
-            <a:pPr algn="ctr">
-              <a:buNone/>
-            </a:pPr>
-            <a:r>
-              <a:rPr lang="zh-CN" altLang="en-US" sz="5400" b="1" dirty="0">
-                <a:solidFill>
-                  <a:srgbClr val="000066"/>
-                </a:solidFill>
-                <a:latin typeface="微軟正黑體" pitchFamily="34" charset="-120"/>
-                <a:ea typeface="微軟正黑體" pitchFamily="34" charset="-120"/>
-              </a:rPr>
-              <a:t>雖無羽翼能向天高飛</a:t>
-            </a:r>
-            <a:endParaRPr lang="en-US" altLang="zh-CN" sz="5400" b="1" dirty="0">
-              <a:solidFill>
-                <a:srgbClr val="000066"/>
-              </a:solidFill>
-              <a:latin typeface="微軟正黑體" pitchFamily="34" charset="-120"/>
-              <a:ea typeface="微軟正黑體" pitchFamily="34" charset="-120"/>
-            </a:endParaRPr>
-          </a:p>
-          <a:p>
-            <a:pPr algn="ctr">
-              <a:buNone/>
-            </a:pPr>
-            <a:r>
-              <a:rPr lang="zh-CN" altLang="en-US" sz="5400" b="1" dirty="0">
-                <a:solidFill>
-                  <a:srgbClr val="000066"/>
-                </a:solidFill>
-                <a:latin typeface="微軟正黑體" pitchFamily="34" charset="-120"/>
-                <a:ea typeface="微軟正黑體" pitchFamily="34" charset="-120"/>
-              </a:rPr>
-              <a:t>但步步攀登跟隨</a:t>
-            </a:r>
-            <a:endParaRPr lang="zh-TW" altLang="en-US" sz="5400" b="1" dirty="0">
-              <a:solidFill>
-                <a:srgbClr val="000066"/>
-              </a:solidFill>
-              <a:latin typeface="微軟正黑體" pitchFamily="34" charset="-120"/>
-              <a:ea typeface="微軟正黑體" pitchFamily="34" charset="-120"/>
-            </a:endParaRPr>
-          </a:p>
-        </p:txBody>
-      </p:sp>
-      <p:sp>
-        <p:nvSpPr>
-          <p:cNvPr id="6" name="TextBox 5"/>
+        </p:txBody>
+      </p:sp>
+      <p:sp>
+        <p:nvSpPr>
+          <p:cNvPr id="3" name="TextBox 2"/>
           <p:cNvSpPr txBox="1"/>
           <p:nvPr/>
         </p:nvSpPr>
         <p:spPr>
           <a:xfrm>
-            <a:off x="839416" y="1700808"/>
-            <a:ext cx="1008112" cy="923330"/>
+            <a:off x="0" y="5253203"/>
+            <a:ext cx="12192000" cy="830997"/>
           </a:xfrm>
           <a:prstGeom prst="rect">
             <a:avLst/>
@@ -3978,35 +4342,40 @@
           </a:bodyPr>
           <a:lstStyle/>
           <a:p>
-            <a:r>
-              <a:rPr lang="en-US" sz="5400" b="1" dirty="0">
-                <a:solidFill>
-                  <a:srgbClr val="000066"/>
-                </a:solidFill>
-              </a:rPr>
-              <a:t>3</a:t>
-            </a:r>
-            <a:r>
-              <a:rPr lang="en-US" sz="5400" b="1" dirty="0" smtClean="0">
-                <a:solidFill>
-                  <a:srgbClr val="000066"/>
-                </a:solidFill>
-              </a:rPr>
-              <a:t>.</a:t>
-            </a:r>
-            <a:endParaRPr lang="vi-VN" sz="5400" b="1" dirty="0">
+            <a:pPr algn="ctr"/>
+            <a:r>
+              <a:rPr lang="en-US" sz="4800" b="1" dirty="0">
+                <a:solidFill>
+                  <a:srgbClr val="660033"/>
+                </a:solidFill>
+              </a:rPr>
+              <a:t>( 2 )</a:t>
+            </a:r>
+            <a:endParaRPr lang="vi-VN" sz="4800" b="1" dirty="0">
               <a:solidFill>
-                <a:srgbClr val="000066"/>
+                <a:srgbClr val="660033"/>
               </a:solidFill>
             </a:endParaRPr>
           </a:p>
         </p:txBody>
       </p:sp>
     </p:spTree>
+    <p:extLst>
+      <p:ext uri="{BB962C8B-B14F-4D97-AF65-F5344CB8AC3E}">
+        <p14:creationId xmlns:p14="http://schemas.microsoft.com/office/powerpoint/2010/main" val="1278731544"/>
+      </p:ext>
+    </p:extLst>
   </p:cSld>
   <p:clrMapOvr>
     <a:masterClrMapping/>
   </p:clrMapOvr>
+  <p:timing>
+    <p:tnLst>
+      <p:par>
+        <p:cTn id="1" dur="indefinite" restart="never" nodeType="tmRoot"/>
+      </p:par>
+    </p:tnLst>
+  </p:timing>
 </p:sld>
 </file>
 
@@ -4029,150 +4398,127 @@
       </p:grpSpPr>
       <p:sp>
         <p:nvSpPr>
-          <p:cNvPr id="4" name="標題 3"/>
-          <p:cNvSpPr>
-            <a:spLocks noGrp="1"/>
-          </p:cNvSpPr>
-          <p:nvPr>
-            <p:ph type="title"/>
-          </p:nvPr>
-        </p:nvSpPr>
-        <p:spPr/>
-        <p:txBody>
-          <a:bodyPr/>
-          <a:lstStyle/>
-          <a:p>
-            <a:r>
-              <a:rPr lang="zh-CN" altLang="en-US" b="1" dirty="0" smtClean="0">
-                <a:solidFill>
-                  <a:srgbClr val="000066"/>
+          <p:cNvPr id="5" name="內容版面配置區 4"/>
+          <p:cNvSpPr>
+            <a:spLocks noGrp="1"/>
+          </p:cNvSpPr>
+          <p:nvPr>
+            <p:ph idx="1"/>
+          </p:nvPr>
+        </p:nvSpPr>
+        <p:spPr>
+          <a:xfrm>
+            <a:off x="0" y="2084851"/>
+            <a:ext cx="12192000" cy="2404863"/>
+          </a:xfrm>
+        </p:spPr>
+        <p:txBody>
+          <a:bodyPr anchor="ctr">
+            <a:normAutofit/>
+          </a:bodyPr>
+          <a:lstStyle/>
+          <a:p>
+            <a:pPr algn="ctr">
+              <a:buNone/>
+            </a:pPr>
+            <a:r>
+              <a:rPr lang="zh-CN" altLang="en-US" sz="6400" b="1" dirty="0">
+                <a:solidFill>
+                  <a:srgbClr val="660033"/>
                 </a:solidFill>
                 <a:latin typeface="微軟正黑體" pitchFamily="34" charset="-120"/>
                 <a:ea typeface="微軟正黑體" pitchFamily="34" charset="-120"/>
               </a:rPr>
-              <a:t>跟從主</a:t>
-            </a:r>
-            <a:endParaRPr lang="zh-TW" altLang="en-US" b="1" dirty="0">
+              <a:t>主領何往我必要跟從</a:t>
+            </a:r>
+            <a:endParaRPr lang="en-US" altLang="zh-CN" sz="6400" b="1" dirty="0">
               <a:solidFill>
-                <a:srgbClr val="000066"/>
+                <a:srgbClr val="660033"/>
               </a:solidFill>
               <a:latin typeface="微軟正黑體" pitchFamily="34" charset="-120"/>
               <a:ea typeface="微軟正黑體" pitchFamily="34" charset="-120"/>
             </a:endParaRPr>
           </a:p>
-        </p:txBody>
-      </p:sp>
-      <p:sp>
-        <p:nvSpPr>
-          <p:cNvPr id="5" name="內容版面配置區 4"/>
-          <p:cNvSpPr>
-            <a:spLocks noGrp="1"/>
-          </p:cNvSpPr>
-          <p:nvPr>
-            <p:ph idx="1"/>
-          </p:nvPr>
-        </p:nvSpPr>
-        <p:spPr/>
-        <p:txBody>
-          <a:bodyPr>
-            <a:normAutofit/>
-          </a:bodyPr>
-          <a:lstStyle/>
           <a:p>
             <a:pPr algn="ctr">
               <a:buNone/>
             </a:pPr>
             <a:r>
-              <a:rPr lang="zh-CN" altLang="en-US" sz="5400" b="1" dirty="0">
-                <a:solidFill>
-                  <a:srgbClr val="000066"/>
+              <a:rPr lang="zh-CN" altLang="en-US" sz="6400" b="1" dirty="0">
+                <a:solidFill>
+                  <a:srgbClr val="660033"/>
                 </a:solidFill>
                 <a:latin typeface="微軟正黑體" pitchFamily="34" charset="-120"/>
                 <a:ea typeface="微軟正黑體" pitchFamily="34" charset="-120"/>
               </a:rPr>
-              <a:t>跟隨主  跟隨主</a:t>
-            </a:r>
-            <a:endParaRPr lang="en-US" altLang="zh-CN" sz="5400" b="1" dirty="0">
+              <a:t>無災害亦無傷痛</a:t>
+            </a:r>
+            <a:endParaRPr lang="zh-TW" altLang="en-US" sz="6400" b="1" dirty="0">
               <a:solidFill>
-                <a:srgbClr val="000066"/>
+                <a:srgbClr val="660033"/>
               </a:solidFill>
               <a:latin typeface="微軟正黑體" pitchFamily="34" charset="-120"/>
               <a:ea typeface="微軟正黑體" pitchFamily="34" charset="-120"/>
             </a:endParaRPr>
           </a:p>
-          <a:p>
-            <a:pPr algn="ctr">
-              <a:buNone/>
-            </a:pPr>
-            <a:r>
-              <a:rPr lang="zh-CN" altLang="en-US" sz="5400" b="1" dirty="0">
-                <a:solidFill>
-                  <a:srgbClr val="000066"/>
-                </a:solidFill>
-                <a:latin typeface="微軟正黑體" pitchFamily="34" charset="-120"/>
-                <a:ea typeface="微軟正黑體" pitchFamily="34" charset="-120"/>
-              </a:rPr>
-              <a:t>步步願跟耶穌</a:t>
-            </a:r>
-            <a:endParaRPr lang="en-US" altLang="zh-CN" sz="5400" b="1" dirty="0">
+        </p:txBody>
+      </p:sp>
+      <p:sp>
+        <p:nvSpPr>
+          <p:cNvPr id="3" name="TextBox 2"/>
+          <p:cNvSpPr txBox="1"/>
+          <p:nvPr/>
+        </p:nvSpPr>
+        <p:spPr>
+          <a:xfrm>
+            <a:off x="0" y="5253203"/>
+            <a:ext cx="12192000" cy="830997"/>
+          </a:xfrm>
+          <a:prstGeom prst="rect">
+            <a:avLst/>
+          </a:prstGeom>
+          <a:noFill/>
+        </p:spPr>
+        <p:txBody>
+          <a:bodyPr wrap="square" rtlCol="0">
+            <a:spAutoFit/>
+          </a:bodyPr>
+          <a:lstStyle/>
+          <a:p>
+            <a:pPr algn="ctr"/>
+            <a:r>
+              <a:rPr lang="en-US" sz="4800" b="1" dirty="0">
+                <a:solidFill>
+                  <a:srgbClr val="660033"/>
+                </a:solidFill>
+              </a:rPr>
+              <a:t>( 2 )</a:t>
+            </a:r>
+            <a:endParaRPr lang="vi-VN" sz="4800" b="1" dirty="0">
               <a:solidFill>
-                <a:srgbClr val="000066"/>
+                <a:srgbClr val="660033"/>
               </a:solidFill>
-              <a:latin typeface="微軟正黑體" pitchFamily="34" charset="-120"/>
-              <a:ea typeface="微軟正黑體" pitchFamily="34" charset="-120"/>
             </a:endParaRPr>
           </a:p>
-          <a:p>
-            <a:pPr algn="ctr">
-              <a:buNone/>
-            </a:pPr>
-            <a:r>
-              <a:rPr lang="zh-CN" altLang="en-US" sz="5400" b="1" dirty="0">
-                <a:solidFill>
-                  <a:srgbClr val="000066"/>
-                </a:solidFill>
-                <a:latin typeface="微軟正黑體" pitchFamily="34" charset="-120"/>
-                <a:ea typeface="微軟正黑體" pitchFamily="34" charset="-120"/>
-              </a:rPr>
-              <a:t>日日走  總跟從</a:t>
-            </a:r>
-            <a:endParaRPr lang="en-US" altLang="zh-CN" sz="5400" b="1" dirty="0">
-              <a:solidFill>
-                <a:srgbClr val="000066"/>
-              </a:solidFill>
-              <a:latin typeface="微軟正黑體" pitchFamily="34" charset="-120"/>
-              <a:ea typeface="微軟正黑體" pitchFamily="34" charset="-120"/>
-            </a:endParaRPr>
-          </a:p>
-          <a:p>
-            <a:pPr algn="ctr">
-              <a:buNone/>
-            </a:pPr>
-            <a:r>
-              <a:rPr lang="zh-CN" altLang="en-US" sz="5400" b="1" dirty="0">
-                <a:solidFill>
-                  <a:srgbClr val="000066"/>
-                </a:solidFill>
-                <a:latin typeface="微軟正黑體" pitchFamily="34" charset="-120"/>
-                <a:ea typeface="微軟正黑體" pitchFamily="34" charset="-120"/>
-              </a:rPr>
-              <a:t>步步跟從耶穌</a:t>
-            </a:r>
-            <a:endParaRPr lang="zh-TW" altLang="en-US" sz="5400" b="1" dirty="0">
-              <a:solidFill>
-                <a:srgbClr val="000066"/>
-              </a:solidFill>
-              <a:latin typeface="微軟正黑體" pitchFamily="34" charset="-120"/>
-              <a:ea typeface="微軟正黑體" pitchFamily="34" charset="-120"/>
-            </a:endParaRPr>
-          </a:p>
         </p:txBody>
       </p:sp>
     </p:spTree>
+    <p:extLst>
+      <p:ext uri="{BB962C8B-B14F-4D97-AF65-F5344CB8AC3E}">
+        <p14:creationId xmlns:p14="http://schemas.microsoft.com/office/powerpoint/2010/main" val="1194067168"/>
+      </p:ext>
+    </p:extLst>
   </p:cSld>
   <p:clrMapOvr>
     <a:masterClrMapping/>
   </p:clrMapOvr>
+  <p:timing>
+    <p:tnLst>
+      <p:par>
+        <p:cTn id="1" dur="indefinite" restart="never" nodeType="tmRoot"/>
+      </p:par>
+    </p:tnLst>
+  </p:timing>
 </p:sld>
 </file>
 
@@ -4195,196 +4541,128 @@
       </p:grpSpPr>
       <p:sp>
         <p:nvSpPr>
-          <p:cNvPr id="4" name="標題 3"/>
-          <p:cNvSpPr>
-            <a:spLocks noGrp="1"/>
-          </p:cNvSpPr>
-          <p:nvPr>
-            <p:ph type="title"/>
-          </p:nvPr>
-        </p:nvSpPr>
-        <p:spPr/>
-        <p:txBody>
-          <a:bodyPr/>
-          <a:lstStyle/>
-          <a:p>
-            <a:r>
-              <a:rPr lang="zh-CN" altLang="en-US" b="1" dirty="0" smtClean="0">
-                <a:solidFill>
-                  <a:srgbClr val="000066"/>
+          <p:cNvPr id="5" name="內容版面配置區 4"/>
+          <p:cNvSpPr>
+            <a:spLocks noGrp="1"/>
+          </p:cNvSpPr>
+          <p:nvPr>
+            <p:ph idx="1"/>
+          </p:nvPr>
+        </p:nvSpPr>
+        <p:spPr>
+          <a:xfrm>
+            <a:off x="0" y="2084851"/>
+            <a:ext cx="12192000" cy="2404863"/>
+          </a:xfrm>
+        </p:spPr>
+        <p:txBody>
+          <a:bodyPr anchor="ctr">
+            <a:normAutofit/>
+          </a:bodyPr>
+          <a:lstStyle/>
+          <a:p>
+            <a:pPr algn="ctr">
+              <a:buNone/>
+            </a:pPr>
+            <a:r>
+              <a:rPr lang="zh-CN" altLang="en-US" sz="6400" b="1" dirty="0">
+                <a:solidFill>
+                  <a:srgbClr val="660033"/>
                 </a:solidFill>
                 <a:latin typeface="微軟正黑體" pitchFamily="34" charset="-120"/>
                 <a:ea typeface="微軟正黑體" pitchFamily="34" charset="-120"/>
               </a:rPr>
-              <a:t>跟從主</a:t>
-            </a:r>
-            <a:endParaRPr lang="zh-TW" altLang="en-US" b="1" dirty="0">
+              <a:t>跟隨主  跟隨主</a:t>
+            </a:r>
+            <a:r>
+              <a:rPr lang="en-US" altLang="zh-CN" sz="6400" b="1" dirty="0">
+                <a:solidFill>
+                  <a:srgbClr val="660033"/>
+                </a:solidFill>
+                <a:latin typeface="微軟正黑體" pitchFamily="34" charset="-120"/>
+                <a:ea typeface="微軟正黑體" pitchFamily="34" charset="-120"/>
+              </a:rPr>
+              <a:t>  </a:t>
+            </a:r>
+            <a:r>
+              <a:rPr lang="zh-CN" altLang="en-US" sz="6400" b="1" dirty="0">
+                <a:solidFill>
+                  <a:srgbClr val="660033"/>
+                </a:solidFill>
+                <a:latin typeface="微軟正黑體" pitchFamily="34" charset="-120"/>
+                <a:ea typeface="微軟正黑體" pitchFamily="34" charset="-120"/>
+              </a:rPr>
+              <a:t>步步願跟耶穌</a:t>
+            </a:r>
+            <a:endParaRPr lang="en-US" altLang="zh-CN" sz="6400" b="1" dirty="0">
               <a:solidFill>
-                <a:srgbClr val="000066"/>
+                <a:srgbClr val="660033"/>
               </a:solidFill>
               <a:latin typeface="微軟正黑體" pitchFamily="34" charset="-120"/>
               <a:ea typeface="微軟正黑體" pitchFamily="34" charset="-120"/>
             </a:endParaRPr>
           </a:p>
-        </p:txBody>
-      </p:sp>
-      <p:sp>
-        <p:nvSpPr>
-          <p:cNvPr id="5" name="內容版面配置區 4"/>
-          <p:cNvSpPr>
-            <a:spLocks noGrp="1"/>
-          </p:cNvSpPr>
-          <p:nvPr>
-            <p:ph idx="1"/>
-          </p:nvPr>
-        </p:nvSpPr>
-        <p:spPr/>
-        <p:txBody>
-          <a:bodyPr>
-            <a:normAutofit/>
-          </a:bodyPr>
-          <a:lstStyle/>
           <a:p>
             <a:pPr algn="ctr">
               <a:buNone/>
             </a:pPr>
             <a:r>
-              <a:rPr lang="zh-CN" altLang="en-US" sz="5400" b="1" dirty="0">
-                <a:solidFill>
-                  <a:srgbClr val="000066"/>
+              <a:rPr lang="zh-CN" altLang="en-US" sz="6400" b="1" dirty="0">
+                <a:solidFill>
+                  <a:srgbClr val="660033"/>
                 </a:solidFill>
                 <a:latin typeface="微軟正黑體" pitchFamily="34" charset="-120"/>
                 <a:ea typeface="微軟正黑體" pitchFamily="34" charset="-120"/>
               </a:rPr>
-              <a:t>求主使我親近更親近</a:t>
-            </a:r>
-            <a:endParaRPr lang="en-US" altLang="zh-CN" sz="5400" b="1" dirty="0">
+              <a:t>日日走  總跟從</a:t>
+            </a:r>
+            <a:r>
+              <a:rPr lang="en-US" altLang="zh-CN" sz="6400" b="1" dirty="0">
+                <a:solidFill>
+                  <a:srgbClr val="660033"/>
+                </a:solidFill>
+                <a:latin typeface="微軟正黑體" pitchFamily="34" charset="-120"/>
+                <a:ea typeface="微軟正黑體" pitchFamily="34" charset="-120"/>
+              </a:rPr>
+              <a:t>  </a:t>
+            </a:r>
+            <a:r>
+              <a:rPr lang="zh-CN" altLang="en-US" sz="6400" b="1" dirty="0">
+                <a:solidFill>
+                  <a:srgbClr val="660033"/>
+                </a:solidFill>
+                <a:latin typeface="微軟正黑體" pitchFamily="34" charset="-120"/>
+                <a:ea typeface="微軟正黑體" pitchFamily="34" charset="-120"/>
+              </a:rPr>
+              <a:t>步步跟從耶穌</a:t>
+            </a:r>
+            <a:endParaRPr lang="zh-TW" altLang="en-US" sz="6400" b="1" dirty="0">
               <a:solidFill>
-                <a:srgbClr val="000066"/>
+                <a:srgbClr val="660033"/>
               </a:solidFill>
               <a:latin typeface="微軟正黑體" pitchFamily="34" charset="-120"/>
               <a:ea typeface="微軟正黑體" pitchFamily="34" charset="-120"/>
             </a:endParaRPr>
           </a:p>
-          <a:p>
-            <a:pPr algn="ctr">
-              <a:buNone/>
-            </a:pPr>
-            <a:r>
-              <a:rPr lang="zh-CN" altLang="en-US" sz="5400" b="1" dirty="0">
-                <a:solidFill>
-                  <a:srgbClr val="000066"/>
-                </a:solidFill>
-                <a:latin typeface="微軟正黑體" pitchFamily="34" charset="-120"/>
-                <a:ea typeface="微軟正黑體" pitchFamily="34" charset="-120"/>
-              </a:rPr>
-              <a:t>步步進日日親近</a:t>
-            </a:r>
-            <a:endParaRPr lang="en-US" altLang="zh-CN" sz="5400" b="1" dirty="0">
-              <a:solidFill>
-                <a:srgbClr val="000066"/>
-              </a:solidFill>
-              <a:latin typeface="微軟正黑體" pitchFamily="34" charset="-120"/>
-              <a:ea typeface="微軟正黑體" pitchFamily="34" charset="-120"/>
-            </a:endParaRPr>
-          </a:p>
-          <a:p>
-            <a:pPr algn="ctr">
-              <a:buNone/>
-            </a:pPr>
-            <a:r>
-              <a:rPr lang="zh-CN" altLang="en-US" sz="5400" b="1" dirty="0">
-                <a:solidFill>
-                  <a:srgbClr val="000066"/>
-                </a:solidFill>
-                <a:latin typeface="微軟正黑體" pitchFamily="34" charset="-120"/>
-                <a:ea typeface="微軟正黑體" pitchFamily="34" charset="-120"/>
-              </a:rPr>
-              <a:t>救主腳蹤步步要跟從</a:t>
-            </a:r>
-            <a:endParaRPr lang="en-US" altLang="zh-CN" sz="5400" b="1" dirty="0">
-              <a:solidFill>
-                <a:srgbClr val="000066"/>
-              </a:solidFill>
-              <a:latin typeface="微軟正黑體" pitchFamily="34" charset="-120"/>
-              <a:ea typeface="微軟正黑體" pitchFamily="34" charset="-120"/>
-            </a:endParaRPr>
-          </a:p>
-          <a:p>
-            <a:pPr algn="ctr">
-              <a:buNone/>
-            </a:pPr>
-            <a:r>
-              <a:rPr lang="zh-CN" altLang="en-US" sz="5400" b="1" dirty="0">
-                <a:solidFill>
-                  <a:srgbClr val="000066"/>
-                </a:solidFill>
-                <a:latin typeface="微軟正黑體" pitchFamily="34" charset="-120"/>
-                <a:ea typeface="微軟正黑體" pitchFamily="34" charset="-120"/>
-              </a:rPr>
-              <a:t>跟從耶穌直到終</a:t>
-            </a:r>
-            <a:endParaRPr lang="zh-TW" altLang="en-US" sz="5400" b="1" dirty="0">
-              <a:solidFill>
-                <a:srgbClr val="000066"/>
-              </a:solidFill>
-              <a:latin typeface="微軟正黑體" pitchFamily="34" charset="-120"/>
-              <a:ea typeface="微軟正黑體" pitchFamily="34" charset="-120"/>
-            </a:endParaRPr>
-          </a:p>
-        </p:txBody>
-      </p:sp>
-      <p:sp>
-        <p:nvSpPr>
-          <p:cNvPr id="6" name="TextBox 5"/>
-          <p:cNvSpPr txBox="1"/>
-          <p:nvPr/>
-        </p:nvSpPr>
-        <p:spPr>
-          <a:xfrm>
-            <a:off x="839416" y="1700808"/>
-            <a:ext cx="1008112" cy="923330"/>
-          </a:xfrm>
-          <a:prstGeom prst="rect">
-            <a:avLst/>
-          </a:prstGeom>
-          <a:noFill/>
-        </p:spPr>
-        <p:txBody>
-          <a:bodyPr wrap="square" rtlCol="0">
-            <a:spAutoFit/>
-          </a:bodyPr>
-          <a:lstStyle/>
-          <a:p>
-            <a:r>
-              <a:rPr lang="en-US" sz="5400" b="1" dirty="0">
-                <a:solidFill>
-                  <a:srgbClr val="000066"/>
-                </a:solidFill>
-              </a:rPr>
-              <a:t>4</a:t>
-            </a:r>
-            <a:r>
-              <a:rPr lang="en-US" sz="5400" b="1" dirty="0" smtClean="0">
-                <a:solidFill>
-                  <a:srgbClr val="000066"/>
-                </a:solidFill>
-              </a:rPr>
-              <a:t>.</a:t>
-            </a:r>
-            <a:endParaRPr lang="vi-VN" sz="5400" b="1" dirty="0">
-              <a:solidFill>
-                <a:srgbClr val="000066"/>
-              </a:solidFill>
-            </a:endParaRPr>
-          </a:p>
         </p:txBody>
       </p:sp>
     </p:spTree>
+    <p:extLst>
+      <p:ext uri="{BB962C8B-B14F-4D97-AF65-F5344CB8AC3E}">
+        <p14:creationId xmlns:p14="http://schemas.microsoft.com/office/powerpoint/2010/main" val="171438206"/>
+      </p:ext>
+    </p:extLst>
   </p:cSld>
   <p:clrMapOvr>
     <a:masterClrMapping/>
   </p:clrMapOvr>
+  <p:timing>
+    <p:tnLst>
+      <p:par>
+        <p:cTn id="1" dur="indefinite" restart="never" nodeType="tmRoot"/>
+      </p:par>
+    </p:tnLst>
+  </p:timing>
 </p:sld>
 </file>
 
@@ -4407,94 +4685,185 @@
       </p:grpSpPr>
       <p:sp>
         <p:nvSpPr>
-          <p:cNvPr id="4" name="標題 3"/>
-          <p:cNvSpPr>
-            <a:spLocks noGrp="1"/>
-          </p:cNvSpPr>
-          <p:nvPr>
-            <p:ph type="title"/>
-          </p:nvPr>
-        </p:nvSpPr>
-        <p:spPr/>
-        <p:txBody>
-          <a:bodyPr/>
-          <a:lstStyle/>
-          <a:p>
-            <a:r>
-              <a:rPr lang="zh-CN" altLang="en-US" b="1" dirty="0" smtClean="0">
-                <a:solidFill>
-                  <a:srgbClr val="000066"/>
+          <p:cNvPr id="5" name="內容版面配置區 4"/>
+          <p:cNvSpPr>
+            <a:spLocks noGrp="1"/>
+          </p:cNvSpPr>
+          <p:nvPr>
+            <p:ph idx="1"/>
+          </p:nvPr>
+        </p:nvSpPr>
+        <p:spPr>
+          <a:xfrm>
+            <a:off x="0" y="2084851"/>
+            <a:ext cx="12192000" cy="2404863"/>
+          </a:xfrm>
+        </p:spPr>
+        <p:txBody>
+          <a:bodyPr anchor="ctr">
+            <a:normAutofit/>
+          </a:bodyPr>
+          <a:lstStyle/>
+          <a:p>
+            <a:pPr algn="ctr">
+              <a:buNone/>
+            </a:pPr>
+            <a:r>
+              <a:rPr lang="zh-CN" altLang="en-US" sz="6400" b="1" dirty="0">
+                <a:solidFill>
+                  <a:srgbClr val="660033"/>
                 </a:solidFill>
                 <a:latin typeface="微軟正黑體" pitchFamily="34" charset="-120"/>
                 <a:ea typeface="微軟正黑體" pitchFamily="34" charset="-120"/>
               </a:rPr>
-              <a:t>跟從主</a:t>
-            </a:r>
-            <a:endParaRPr lang="zh-TW" altLang="en-US" b="1" dirty="0">
+              <a:t>一步一步要跟從耶穌</a:t>
+            </a:r>
+            <a:endParaRPr lang="en-US" altLang="zh-CN" sz="6400" b="1" dirty="0">
               <a:solidFill>
-                <a:srgbClr val="000066"/>
+                <a:srgbClr val="660033"/>
               </a:solidFill>
               <a:latin typeface="微軟正黑體" pitchFamily="34" charset="-120"/>
               <a:ea typeface="微軟正黑體" pitchFamily="34" charset="-120"/>
             </a:endParaRPr>
           </a:p>
-        </p:txBody>
-      </p:sp>
-      <p:sp>
-        <p:nvSpPr>
-          <p:cNvPr id="5" name="內容版面配置區 4"/>
-          <p:cNvSpPr>
-            <a:spLocks noGrp="1"/>
-          </p:cNvSpPr>
-          <p:nvPr>
-            <p:ph idx="1"/>
-          </p:nvPr>
-        </p:nvSpPr>
-        <p:spPr/>
-        <p:txBody>
-          <a:bodyPr>
-            <a:normAutofit/>
-          </a:bodyPr>
-          <a:lstStyle/>
           <a:p>
             <a:pPr algn="ctr">
               <a:buNone/>
             </a:pPr>
             <a:r>
-              <a:rPr lang="zh-CN" altLang="en-US" sz="5400" b="1" dirty="0">
-                <a:solidFill>
-                  <a:srgbClr val="000066"/>
+              <a:rPr lang="zh-CN" altLang="en-US" sz="6400" b="1" dirty="0">
+                <a:solidFill>
+                  <a:srgbClr val="660033"/>
                 </a:solidFill>
                 <a:latin typeface="微軟正黑體" pitchFamily="34" charset="-120"/>
                 <a:ea typeface="微軟正黑體" pitchFamily="34" charset="-120"/>
               </a:rPr>
-              <a:t>跟隨主  跟隨主</a:t>
-            </a:r>
-            <a:endParaRPr lang="en-US" altLang="zh-CN" sz="5400" b="1" dirty="0">
+              <a:t>我時刻要跟從主</a:t>
+            </a:r>
+            <a:endParaRPr lang="en-US" altLang="zh-CN" sz="6400" b="1" dirty="0">
               <a:solidFill>
-                <a:srgbClr val="000066"/>
+                <a:srgbClr val="660033"/>
               </a:solidFill>
               <a:latin typeface="微軟正黑體" pitchFamily="34" charset="-120"/>
               <a:ea typeface="微軟正黑體" pitchFamily="34" charset="-120"/>
             </a:endParaRPr>
           </a:p>
+        </p:txBody>
+      </p:sp>
+      <p:sp>
+        <p:nvSpPr>
+          <p:cNvPr id="3" name="TextBox 2"/>
+          <p:cNvSpPr txBox="1"/>
+          <p:nvPr/>
+        </p:nvSpPr>
+        <p:spPr>
+          <a:xfrm>
+            <a:off x="0" y="5253203"/>
+            <a:ext cx="12192000" cy="830997"/>
+          </a:xfrm>
+          <a:prstGeom prst="rect">
+            <a:avLst/>
+          </a:prstGeom>
+          <a:noFill/>
+        </p:spPr>
+        <p:txBody>
+          <a:bodyPr wrap="square" rtlCol="0">
+            <a:spAutoFit/>
+          </a:bodyPr>
+          <a:lstStyle/>
+          <a:p>
+            <a:pPr algn="ctr"/>
+            <a:r>
+              <a:rPr lang="en-US" sz="4800" b="1" dirty="0">
+                <a:solidFill>
+                  <a:srgbClr val="660033"/>
+                </a:solidFill>
+              </a:rPr>
+              <a:t>( 3 )</a:t>
+            </a:r>
+            <a:endParaRPr lang="vi-VN" sz="4800" b="1" dirty="0">
+              <a:solidFill>
+                <a:srgbClr val="660033"/>
+              </a:solidFill>
+            </a:endParaRPr>
+          </a:p>
+        </p:txBody>
+      </p:sp>
+    </p:spTree>
+    <p:extLst>
+      <p:ext uri="{BB962C8B-B14F-4D97-AF65-F5344CB8AC3E}">
+        <p14:creationId xmlns:p14="http://schemas.microsoft.com/office/powerpoint/2010/main" val="180207339"/>
+      </p:ext>
+    </p:extLst>
+  </p:cSld>
+  <p:clrMapOvr>
+    <a:masterClrMapping/>
+  </p:clrMapOvr>
+  <p:timing>
+    <p:tnLst>
+      <p:par>
+        <p:cTn id="1" dur="indefinite" restart="never" nodeType="tmRoot"/>
+      </p:par>
+    </p:tnLst>
+  </p:timing>
+</p:sld>
+</file>
+
+<file path=ppt/slides/slide9.xml><?xml version="1.0" encoding="utf-8"?>
+<p:sld xmlns:a="http://schemas.openxmlformats.org/drawingml/2006/main" xmlns:r="http://schemas.openxmlformats.org/officeDocument/2006/relationships" xmlns:p="http://schemas.openxmlformats.org/presentationml/2006/main">
+  <p:cSld>
+    <p:spTree>
+      <p:nvGrpSpPr>
+        <p:cNvPr id="1" name=""/>
+        <p:cNvGrpSpPr/>
+        <p:nvPr/>
+      </p:nvGrpSpPr>
+      <p:grpSpPr>
+        <a:xfrm>
+          <a:off x="0" y="0"/>
+          <a:ext cx="0" cy="0"/>
+          <a:chOff x="0" y="0"/>
+          <a:chExt cx="0" cy="0"/>
+        </a:xfrm>
+      </p:grpSpPr>
+      <p:sp>
+        <p:nvSpPr>
+          <p:cNvPr id="5" name="內容版面配置區 4"/>
+          <p:cNvSpPr>
+            <a:spLocks noGrp="1"/>
+          </p:cNvSpPr>
+          <p:nvPr>
+            <p:ph idx="1"/>
+          </p:nvPr>
+        </p:nvSpPr>
+        <p:spPr>
+          <a:xfrm>
+            <a:off x="0" y="2084851"/>
+            <a:ext cx="12192000" cy="2404863"/>
+          </a:xfrm>
+        </p:spPr>
+        <p:txBody>
+          <a:bodyPr anchor="ctr">
+            <a:normAutofit/>
+          </a:bodyPr>
+          <a:lstStyle/>
           <a:p>
             <a:pPr algn="ctr">
               <a:buNone/>
             </a:pPr>
             <a:r>
-              <a:rPr lang="zh-CN" altLang="en-US" sz="5400" b="1" dirty="0">
-                <a:solidFill>
-                  <a:srgbClr val="000066"/>
+              <a:rPr lang="zh-CN" altLang="en-US" sz="6400" b="1" dirty="0">
+                <a:solidFill>
+                  <a:srgbClr val="660033"/>
                 </a:solidFill>
                 <a:latin typeface="微軟正黑體" pitchFamily="34" charset="-120"/>
                 <a:ea typeface="微軟正黑體" pitchFamily="34" charset="-120"/>
               </a:rPr>
-              <a:t>步步願跟耶穌</a:t>
-            </a:r>
-            <a:endParaRPr lang="en-US" altLang="zh-CN" sz="5400" b="1" dirty="0">
+              <a:t>雖無羽翼能向天高飛</a:t>
+            </a:r>
+            <a:endParaRPr lang="en-US" altLang="zh-CN" sz="6400" b="1" dirty="0">
               <a:solidFill>
-                <a:srgbClr val="000066"/>
+                <a:srgbClr val="660033"/>
               </a:solidFill>
               <a:latin typeface="微軟正黑體" pitchFamily="34" charset="-120"/>
               <a:ea typeface="微軟正黑體" pitchFamily="34" charset="-120"/>
@@ -4505,52 +4874,81 @@
               <a:buNone/>
             </a:pPr>
             <a:r>
-              <a:rPr lang="zh-CN" altLang="en-US" sz="5400" b="1" dirty="0">
-                <a:solidFill>
-                  <a:srgbClr val="000066"/>
+              <a:rPr lang="zh-CN" altLang="en-US" sz="6400" b="1" dirty="0">
+                <a:solidFill>
+                  <a:srgbClr val="660033"/>
                 </a:solidFill>
                 <a:latin typeface="微軟正黑體" pitchFamily="34" charset="-120"/>
                 <a:ea typeface="微軟正黑體" pitchFamily="34" charset="-120"/>
               </a:rPr>
-              <a:t>日日走  總跟從</a:t>
-            </a:r>
-            <a:endParaRPr lang="en-US" altLang="zh-CN" sz="5400" b="1" dirty="0">
+              <a:t>但步步攀登跟隨</a:t>
+            </a:r>
+            <a:endParaRPr lang="zh-TW" altLang="en-US" sz="6400" b="1" dirty="0">
               <a:solidFill>
-                <a:srgbClr val="000066"/>
+                <a:srgbClr val="660033"/>
               </a:solidFill>
               <a:latin typeface="微軟正黑體" pitchFamily="34" charset="-120"/>
               <a:ea typeface="微軟正黑體" pitchFamily="34" charset="-120"/>
             </a:endParaRPr>
           </a:p>
-          <a:p>
-            <a:pPr algn="ctr">
-              <a:buNone/>
-            </a:pPr>
-            <a:r>
-              <a:rPr lang="zh-CN" altLang="en-US" sz="5400" b="1" dirty="0">
-                <a:solidFill>
-                  <a:srgbClr val="000066"/>
-                </a:solidFill>
-                <a:latin typeface="微軟正黑體" pitchFamily="34" charset="-120"/>
-                <a:ea typeface="微軟正黑體" pitchFamily="34" charset="-120"/>
-              </a:rPr>
-              <a:t>步步跟從耶穌</a:t>
-            </a:r>
-            <a:endParaRPr lang="zh-TW" altLang="en-US" sz="5400" b="1" dirty="0">
+        </p:txBody>
+      </p:sp>
+      <p:sp>
+        <p:nvSpPr>
+          <p:cNvPr id="3" name="TextBox 2"/>
+          <p:cNvSpPr txBox="1"/>
+          <p:nvPr/>
+        </p:nvSpPr>
+        <p:spPr>
+          <a:xfrm>
+            <a:off x="0" y="5253203"/>
+            <a:ext cx="12192000" cy="830997"/>
+          </a:xfrm>
+          <a:prstGeom prst="rect">
+            <a:avLst/>
+          </a:prstGeom>
+          <a:noFill/>
+        </p:spPr>
+        <p:txBody>
+          <a:bodyPr wrap="square" rtlCol="0">
+            <a:spAutoFit/>
+          </a:bodyPr>
+          <a:lstStyle/>
+          <a:p>
+            <a:pPr algn="ctr"/>
+            <a:r>
+              <a:rPr lang="en-US" sz="4800" b="1" dirty="0">
+                <a:solidFill>
+                  <a:srgbClr val="660033"/>
+                </a:solidFill>
+              </a:rPr>
+              <a:t>( 3 )</a:t>
+            </a:r>
+            <a:endParaRPr lang="vi-VN" sz="4800" b="1" dirty="0">
               <a:solidFill>
-                <a:srgbClr val="000066"/>
+                <a:srgbClr val="660033"/>
               </a:solidFill>
-              <a:latin typeface="微軟正黑體" pitchFamily="34" charset="-120"/>
-              <a:ea typeface="微軟正黑體" pitchFamily="34" charset="-120"/>
             </a:endParaRPr>
           </a:p>
         </p:txBody>
       </p:sp>
     </p:spTree>
+    <p:extLst>
+      <p:ext uri="{BB962C8B-B14F-4D97-AF65-F5344CB8AC3E}">
+        <p14:creationId xmlns:p14="http://schemas.microsoft.com/office/powerpoint/2010/main" val="958088094"/>
+      </p:ext>
+    </p:extLst>
   </p:cSld>
   <p:clrMapOvr>
     <a:masterClrMapping/>
   </p:clrMapOvr>
+  <p:timing>
+    <p:tnLst>
+      <p:par>
+        <p:cTn id="1" dur="indefinite" restart="never" nodeType="tmRoot"/>
+      </p:par>
+    </p:tnLst>
+  </p:timing>
 </p:sld>
 </file>
 

--- a/宣道詩/(宣道詩219)跟從主.pptx
+++ b/宣道詩/(宣道詩219)跟從主.pptx
@@ -316,7 +316,7 @@
           <a:p>
             <a:fld id="{20E259B5-6EC5-4596-8B61-4210C4B5850B}" type="datetimeFigureOut">
               <a:rPr lang="zh-TW" altLang="en-US" smtClean="0"/>
-              <a:t>2021/2/5</a:t>
+              <a:t>2021/11/25</a:t>
             </a:fld>
             <a:endParaRPr lang="zh-TW" altLang="en-US"/>
           </a:p>
@@ -481,7 +481,7 @@
           <a:p>
             <a:fld id="{20E259B5-6EC5-4596-8B61-4210C4B5850B}" type="datetimeFigureOut">
               <a:rPr lang="zh-TW" altLang="en-US" smtClean="0"/>
-              <a:t>2021/2/5</a:t>
+              <a:t>2021/11/25</a:t>
             </a:fld>
             <a:endParaRPr lang="zh-TW" altLang="en-US"/>
           </a:p>
@@ -656,7 +656,7 @@
           <a:p>
             <a:fld id="{20E259B5-6EC5-4596-8B61-4210C4B5850B}" type="datetimeFigureOut">
               <a:rPr lang="zh-TW" altLang="en-US" smtClean="0"/>
-              <a:t>2021/2/5</a:t>
+              <a:t>2021/11/25</a:t>
             </a:fld>
             <a:endParaRPr lang="zh-TW" altLang="en-US"/>
           </a:p>
@@ -821,7 +821,7 @@
           <a:p>
             <a:fld id="{20E259B5-6EC5-4596-8B61-4210C4B5850B}" type="datetimeFigureOut">
               <a:rPr lang="zh-TW" altLang="en-US" smtClean="0"/>
-              <a:t>2021/2/5</a:t>
+              <a:t>2021/11/25</a:t>
             </a:fld>
             <a:endParaRPr lang="zh-TW" altLang="en-US"/>
           </a:p>
@@ -1062,7 +1062,7 @@
           <a:p>
             <a:fld id="{20E259B5-6EC5-4596-8B61-4210C4B5850B}" type="datetimeFigureOut">
               <a:rPr lang="zh-TW" altLang="en-US" smtClean="0"/>
-              <a:t>2021/2/5</a:t>
+              <a:t>2021/11/25</a:t>
             </a:fld>
             <a:endParaRPr lang="zh-TW" altLang="en-US"/>
           </a:p>
@@ -1345,7 +1345,7 @@
           <a:p>
             <a:fld id="{20E259B5-6EC5-4596-8B61-4210C4B5850B}" type="datetimeFigureOut">
               <a:rPr lang="zh-TW" altLang="en-US" smtClean="0"/>
-              <a:t>2021/2/5</a:t>
+              <a:t>2021/11/25</a:t>
             </a:fld>
             <a:endParaRPr lang="zh-TW" altLang="en-US"/>
           </a:p>
@@ -1762,7 +1762,7 @@
           <a:p>
             <a:fld id="{20E259B5-6EC5-4596-8B61-4210C4B5850B}" type="datetimeFigureOut">
               <a:rPr lang="zh-TW" altLang="en-US" smtClean="0"/>
-              <a:t>2021/2/5</a:t>
+              <a:t>2021/11/25</a:t>
             </a:fld>
             <a:endParaRPr lang="zh-TW" altLang="en-US"/>
           </a:p>
@@ -1875,7 +1875,7 @@
           <a:p>
             <a:fld id="{20E259B5-6EC5-4596-8B61-4210C4B5850B}" type="datetimeFigureOut">
               <a:rPr lang="zh-TW" altLang="en-US" smtClean="0"/>
-              <a:t>2021/2/5</a:t>
+              <a:t>2021/11/25</a:t>
             </a:fld>
             <a:endParaRPr lang="zh-TW" altLang="en-US"/>
           </a:p>
@@ -1965,7 +1965,7 @@
           <a:p>
             <a:fld id="{20E259B5-6EC5-4596-8B61-4210C4B5850B}" type="datetimeFigureOut">
               <a:rPr lang="zh-TW" altLang="en-US" smtClean="0"/>
-              <a:t>2021/2/5</a:t>
+              <a:t>2021/11/25</a:t>
             </a:fld>
             <a:endParaRPr lang="zh-TW" altLang="en-US"/>
           </a:p>
@@ -2237,7 +2237,7 @@
           <a:p>
             <a:fld id="{20E259B5-6EC5-4596-8B61-4210C4B5850B}" type="datetimeFigureOut">
               <a:rPr lang="zh-TW" altLang="en-US" smtClean="0"/>
-              <a:t>2021/2/5</a:t>
+              <a:t>2021/11/25</a:t>
             </a:fld>
             <a:endParaRPr lang="zh-TW" altLang="en-US"/>
           </a:p>
@@ -2489,7 +2489,7 @@
           <a:p>
             <a:fld id="{20E259B5-6EC5-4596-8B61-4210C4B5850B}" type="datetimeFigureOut">
               <a:rPr lang="zh-TW" altLang="en-US" smtClean="0"/>
-              <a:t>2021/2/5</a:t>
+              <a:t>2021/11/25</a:t>
             </a:fld>
             <a:endParaRPr lang="zh-TW" altLang="en-US"/>
           </a:p>
@@ -2702,7 +2702,7 @@
           <a:p>
             <a:fld id="{20E259B5-6EC5-4596-8B61-4210C4B5850B}" type="datetimeFigureOut">
               <a:rPr lang="zh-TW" altLang="en-US" smtClean="0"/>
-              <a:t>2021/2/5</a:t>
+              <a:t>2021/11/25</a:t>
             </a:fld>
             <a:endParaRPr lang="zh-TW" altLang="en-US"/>
           </a:p>
@@ -3084,7 +3084,7 @@
         </p:nvSpPr>
         <p:spPr>
           <a:xfrm>
-            <a:off x="0" y="2857513"/>
+            <a:off x="0" y="2636912"/>
             <a:ext cx="12192000" cy="1143000"/>
           </a:xfrm>
         </p:spPr>
@@ -3176,24 +3176,7 @@
                 <a:latin typeface="微軟正黑體" pitchFamily="34" charset="-120"/>
                 <a:ea typeface="微軟正黑體" pitchFamily="34" charset="-120"/>
               </a:rPr>
-              <a:t>跟</a:t>
-            </a:r>
-            <a:r>
-              <a:rPr lang="zh-CN" altLang="en-US" sz="8000" b="1" dirty="0">
-                <a:solidFill>
-                  <a:srgbClr val="660033"/>
-                </a:solidFill>
-                <a:effectLst>
-                  <a:outerShdw blurRad="38100" dist="38100" dir="2700000" algn="tl">
-                    <a:srgbClr val="000000">
-                      <a:alpha val="43137"/>
-                    </a:srgbClr>
-                  </a:outerShdw>
-                </a:effectLst>
-                <a:latin typeface="微軟正黑體" pitchFamily="34" charset="-120"/>
-                <a:ea typeface="微軟正黑體" pitchFamily="34" charset="-120"/>
-              </a:rPr>
-              <a:t>從主</a:t>
+              <a:t>跟從主</a:t>
             </a:r>
             <a:endParaRPr lang="zh-TW" altLang="en-US" sz="8000" b="1" dirty="0">
               <a:solidFill>

--- a/宣道詩/(宣道詩219)跟從主.pptx
+++ b/宣道詩/(宣道詩219)跟從主.pptx
@@ -316,7 +316,7 @@
           <a:p>
             <a:fld id="{20E259B5-6EC5-4596-8B61-4210C4B5850B}" type="datetimeFigureOut">
               <a:rPr lang="zh-TW" altLang="en-US" smtClean="0"/>
-              <a:t>2021/11/25</a:t>
+              <a:t>2022/10/29</a:t>
             </a:fld>
             <a:endParaRPr lang="zh-TW" altLang="en-US"/>
           </a:p>
@@ -481,7 +481,7 @@
           <a:p>
             <a:fld id="{20E259B5-6EC5-4596-8B61-4210C4B5850B}" type="datetimeFigureOut">
               <a:rPr lang="zh-TW" altLang="en-US" smtClean="0"/>
-              <a:t>2021/11/25</a:t>
+              <a:t>2022/10/29</a:t>
             </a:fld>
             <a:endParaRPr lang="zh-TW" altLang="en-US"/>
           </a:p>
@@ -656,7 +656,7 @@
           <a:p>
             <a:fld id="{20E259B5-6EC5-4596-8B61-4210C4B5850B}" type="datetimeFigureOut">
               <a:rPr lang="zh-TW" altLang="en-US" smtClean="0"/>
-              <a:t>2021/11/25</a:t>
+              <a:t>2022/10/29</a:t>
             </a:fld>
             <a:endParaRPr lang="zh-TW" altLang="en-US"/>
           </a:p>
@@ -821,7 +821,7 @@
           <a:p>
             <a:fld id="{20E259B5-6EC5-4596-8B61-4210C4B5850B}" type="datetimeFigureOut">
               <a:rPr lang="zh-TW" altLang="en-US" smtClean="0"/>
-              <a:t>2021/11/25</a:t>
+              <a:t>2022/10/29</a:t>
             </a:fld>
             <a:endParaRPr lang="zh-TW" altLang="en-US"/>
           </a:p>
@@ -1062,7 +1062,7 @@
           <a:p>
             <a:fld id="{20E259B5-6EC5-4596-8B61-4210C4B5850B}" type="datetimeFigureOut">
               <a:rPr lang="zh-TW" altLang="en-US" smtClean="0"/>
-              <a:t>2021/11/25</a:t>
+              <a:t>2022/10/29</a:t>
             </a:fld>
             <a:endParaRPr lang="zh-TW" altLang="en-US"/>
           </a:p>
@@ -1345,7 +1345,7 @@
           <a:p>
             <a:fld id="{20E259B5-6EC5-4596-8B61-4210C4B5850B}" type="datetimeFigureOut">
               <a:rPr lang="zh-TW" altLang="en-US" smtClean="0"/>
-              <a:t>2021/11/25</a:t>
+              <a:t>2022/10/29</a:t>
             </a:fld>
             <a:endParaRPr lang="zh-TW" altLang="en-US"/>
           </a:p>
@@ -1762,7 +1762,7 @@
           <a:p>
             <a:fld id="{20E259B5-6EC5-4596-8B61-4210C4B5850B}" type="datetimeFigureOut">
               <a:rPr lang="zh-TW" altLang="en-US" smtClean="0"/>
-              <a:t>2021/11/25</a:t>
+              <a:t>2022/10/29</a:t>
             </a:fld>
             <a:endParaRPr lang="zh-TW" altLang="en-US"/>
           </a:p>
@@ -1875,7 +1875,7 @@
           <a:p>
             <a:fld id="{20E259B5-6EC5-4596-8B61-4210C4B5850B}" type="datetimeFigureOut">
               <a:rPr lang="zh-TW" altLang="en-US" smtClean="0"/>
-              <a:t>2021/11/25</a:t>
+              <a:t>2022/10/29</a:t>
             </a:fld>
             <a:endParaRPr lang="zh-TW" altLang="en-US"/>
           </a:p>
@@ -1965,7 +1965,7 @@
           <a:p>
             <a:fld id="{20E259B5-6EC5-4596-8B61-4210C4B5850B}" type="datetimeFigureOut">
               <a:rPr lang="zh-TW" altLang="en-US" smtClean="0"/>
-              <a:t>2021/11/25</a:t>
+              <a:t>2022/10/29</a:t>
             </a:fld>
             <a:endParaRPr lang="zh-TW" altLang="en-US"/>
           </a:p>
@@ -2237,7 +2237,7 @@
           <a:p>
             <a:fld id="{20E259B5-6EC5-4596-8B61-4210C4B5850B}" type="datetimeFigureOut">
               <a:rPr lang="zh-TW" altLang="en-US" smtClean="0"/>
-              <a:t>2021/11/25</a:t>
+              <a:t>2022/10/29</a:t>
             </a:fld>
             <a:endParaRPr lang="zh-TW" altLang="en-US"/>
           </a:p>
@@ -2489,7 +2489,7 @@
           <a:p>
             <a:fld id="{20E259B5-6EC5-4596-8B61-4210C4B5850B}" type="datetimeFigureOut">
               <a:rPr lang="zh-TW" altLang="en-US" smtClean="0"/>
-              <a:t>2021/11/25</a:t>
+              <a:t>2022/10/29</a:t>
             </a:fld>
             <a:endParaRPr lang="zh-TW" altLang="en-US"/>
           </a:p>
@@ -2702,7 +2702,7 @@
           <a:p>
             <a:fld id="{20E259B5-6EC5-4596-8B61-4210C4B5850B}" type="datetimeFigureOut">
               <a:rPr lang="zh-TW" altLang="en-US" smtClean="0"/>
-              <a:t>2021/11/25</a:t>
+              <a:t>2022/10/29</a:t>
             </a:fld>
             <a:endParaRPr lang="zh-TW" altLang="en-US"/>
           </a:p>
@@ -3472,7 +3472,23 @@
                   <a:srgbClr val="660033"/>
                 </a:solidFill>
               </a:rPr>
-              <a:t>( 4 )</a:t>
+              <a:t>( </a:t>
+            </a:r>
+            <a:r>
+              <a:rPr lang="en-US" sz="4800" b="1" dirty="0" smtClean="0">
+                <a:solidFill>
+                  <a:srgbClr val="660033"/>
+                </a:solidFill>
+              </a:rPr>
+              <a:t>4 </a:t>
+            </a:r>
+            <a:r>
+              <a:rPr lang="en-US" sz="4800" b="1" dirty="0">
+                <a:solidFill>
+                  <a:srgbClr val="660033"/>
+                </a:solidFill>
+              </a:rPr>
+              <a:t>/ 4 )</a:t>
             </a:r>
             <a:endParaRPr lang="vi-VN" sz="4800" b="1" dirty="0">
               <a:solidFill>
@@ -3615,7 +3631,7 @@
                   <a:srgbClr val="660033"/>
                 </a:solidFill>
               </a:rPr>
-              <a:t>( 4 )</a:t>
+              <a:t>( 4 / 4 )</a:t>
             </a:r>
             <a:endParaRPr lang="vi-VN" sz="4800" b="1" dirty="0">
               <a:solidFill>
@@ -3832,14 +3848,24 @@
               <a:buNone/>
             </a:pPr>
             <a:r>
-              <a:rPr lang="zh-CN" altLang="en-US" sz="6400" b="1" dirty="0">
+              <a:rPr lang="zh-CN" altLang="en-US" sz="6400" b="1" smtClean="0">
                 <a:solidFill>
                   <a:srgbClr val="660033"/>
                 </a:solidFill>
                 <a:latin typeface="微軟正黑體" pitchFamily="34" charset="-120"/>
                 <a:ea typeface="微軟正黑體" pitchFamily="34" charset="-120"/>
               </a:rPr>
-              <a:t>與神同行情意何佳美</a:t>
+              <a:t>與主同</a:t>
+            </a:r>
+            <a:r>
+              <a:rPr lang="zh-CN" altLang="en-US" sz="6400" b="1" dirty="0">
+                <a:solidFill>
+                  <a:srgbClr val="660033"/>
+                </a:solidFill>
+                <a:latin typeface="微軟正黑體" pitchFamily="34" charset="-120"/>
+                <a:ea typeface="微軟正黑體" pitchFamily="34" charset="-120"/>
+              </a:rPr>
+              <a:t>行情意何佳美</a:t>
             </a:r>
             <a:endParaRPr lang="en-US" altLang="zh-CN" sz="6400" b="1" dirty="0">
               <a:solidFill>
@@ -3902,7 +3928,23 @@
                   <a:srgbClr val="660033"/>
                 </a:solidFill>
               </a:rPr>
-              <a:t>( 1 )</a:t>
+              <a:t>( </a:t>
+            </a:r>
+            <a:r>
+              <a:rPr lang="en-US" sz="4800" b="1" dirty="0" smtClean="0">
+                <a:solidFill>
+                  <a:srgbClr val="660033"/>
+                </a:solidFill>
+              </a:rPr>
+              <a:t>1 / 4 </a:t>
+            </a:r>
+            <a:r>
+              <a:rPr lang="en-US" sz="4800" b="1" dirty="0">
+                <a:solidFill>
+                  <a:srgbClr val="660033"/>
+                </a:solidFill>
+              </a:rPr>
+              <a:t>)</a:t>
             </a:r>
             <a:endParaRPr lang="vi-VN" sz="4800" b="1" dirty="0">
               <a:solidFill>
@@ -4045,7 +4087,7 @@
                   <a:srgbClr val="660033"/>
                 </a:solidFill>
               </a:rPr>
-              <a:t>( 1 )</a:t>
+              <a:t>( 1 / 4 )</a:t>
             </a:r>
             <a:endParaRPr lang="vi-VN" sz="4800" b="1" dirty="0">
               <a:solidFill>
@@ -4332,7 +4374,23 @@
                   <a:srgbClr val="660033"/>
                 </a:solidFill>
               </a:rPr>
-              <a:t>( 2 )</a:t>
+              <a:t>( </a:t>
+            </a:r>
+            <a:r>
+              <a:rPr lang="en-US" sz="4800" b="1" dirty="0" smtClean="0">
+                <a:solidFill>
+                  <a:srgbClr val="660033"/>
+                </a:solidFill>
+              </a:rPr>
+              <a:t>2 </a:t>
+            </a:r>
+            <a:r>
+              <a:rPr lang="en-US" sz="4800" b="1" dirty="0">
+                <a:solidFill>
+                  <a:srgbClr val="660033"/>
+                </a:solidFill>
+              </a:rPr>
+              <a:t>/ 4 )</a:t>
             </a:r>
             <a:endParaRPr lang="vi-VN" sz="4800" b="1" dirty="0">
               <a:solidFill>
@@ -4475,7 +4533,7 @@
                   <a:srgbClr val="660033"/>
                 </a:solidFill>
               </a:rPr>
-              <a:t>( 2 )</a:t>
+              <a:t>( 2 / 4 )</a:t>
             </a:r>
             <a:endParaRPr lang="vi-VN" sz="4800" b="1" dirty="0">
               <a:solidFill>
@@ -4762,7 +4820,23 @@
                   <a:srgbClr val="660033"/>
                 </a:solidFill>
               </a:rPr>
-              <a:t>( 3 )</a:t>
+              <a:t>( </a:t>
+            </a:r>
+            <a:r>
+              <a:rPr lang="en-US" sz="4800" b="1" dirty="0" smtClean="0">
+                <a:solidFill>
+                  <a:srgbClr val="660033"/>
+                </a:solidFill>
+              </a:rPr>
+              <a:t>3 </a:t>
+            </a:r>
+            <a:r>
+              <a:rPr lang="en-US" sz="4800" b="1" dirty="0">
+                <a:solidFill>
+                  <a:srgbClr val="660033"/>
+                </a:solidFill>
+              </a:rPr>
+              <a:t>/ 4 )</a:t>
             </a:r>
             <a:endParaRPr lang="vi-VN" sz="4800" b="1" dirty="0">
               <a:solidFill>
@@ -4905,7 +4979,7 @@
                   <a:srgbClr val="660033"/>
                 </a:solidFill>
               </a:rPr>
-              <a:t>( 3 )</a:t>
+              <a:t>( 3 / 4 )</a:t>
             </a:r>
             <a:endParaRPr lang="vi-VN" sz="4800" b="1" dirty="0">
               <a:solidFill>
